--- a/项目准备/ppt/转正答辩.pptx
+++ b/项目准备/ppt/转正答辩.pptx
@@ -1,13 +1,13 @@
 
 <file path=ppt/presentation.xml><?xml version="1.0" encoding="utf-8"?>
-<p:presentation xmlns:a="http://schemas.openxmlformats.org/drawingml/2006/main" xmlns:r="http://schemas.openxmlformats.org/officeDocument/2006/relationships" xmlns:p="http://schemas.openxmlformats.org/presentationml/2006/main" saveSubsetFonts="1">
+<p:presentation xmlns:a="http://schemas.openxmlformats.org/drawingml/2006/main" xmlns:r="http://schemas.openxmlformats.org/officeDocument/2006/relationships" xmlns:p="http://schemas.openxmlformats.org/presentationml/2006/main">
   <p:sldMasterIdLst>
     <p:sldMasterId id="2147483648" r:id="rId1"/>
   </p:sldMasterIdLst>
   <p:sldIdLst>
-    <p:sldId id="257" r:id="rId2"/>
-    <p:sldId id="260" r:id="rId3"/>
-    <p:sldId id="261" r:id="rId4"/>
+    <p:sldId id="257" r:id="rId3"/>
+    <p:sldId id="260" r:id="rId4"/>
+    <p:sldId id="261" r:id="rId5"/>
   </p:sldIdLst>
   <p:sldSz cx="12192000" cy="6858000"/>
   <p:notesSz cx="6858000" cy="9144000"/>
@@ -106,11 +106,6 @@
       </a:defRPr>
     </a:lvl9pPr>
   </p:defaultTextStyle>
-  <p:extLst>
-    <p:ext uri="{EFAFB233-063F-42B5-8137-9DF3F51BA10A}">
-      <p15:sldGuideLst xmlns:p15="http://schemas.microsoft.com/office/powerpoint/2012/main" xmlns=""/>
-    </p:ext>
-  </p:extLst>
 </p:presentation>
 </file>
 
@@ -121,117 +116,39 @@
   <dgm:catLst>
     <dgm:cat type="accent1" pri="11200"/>
   </dgm:catLst>
-  <dgm:styleLbl name="node0">
+  <dgm:styleLbl name="alignAcc1">
     <dgm:fillClrLst meth="repeat">
-      <a:schemeClr val="accent1"/>
-    </dgm:fillClrLst>
-    <dgm:linClrLst meth="repeat">
-      <a:schemeClr val="lt1"/>
-    </dgm:linClrLst>
-    <dgm:effectClrLst/>
-    <dgm:txLinClrLst/>
-    <dgm:txFillClrLst/>
-    <dgm:txEffectClrLst/>
-  </dgm:styleLbl>
-  <dgm:styleLbl name="alignNode1">
-    <dgm:fillClrLst meth="repeat">
-      <a:schemeClr val="accent1"/>
+      <a:schemeClr val="lt1">
+        <a:alpha val="90000"/>
+      </a:schemeClr>
     </dgm:fillClrLst>
     <dgm:linClrLst meth="repeat">
       <a:schemeClr val="accent1"/>
     </dgm:linClrLst>
     <dgm:effectClrLst/>
     <dgm:txLinClrLst/>
-    <dgm:txFillClrLst/>
+    <dgm:txFillClrLst meth="repeat">
+      <a:schemeClr val="dk1"/>
+    </dgm:txFillClrLst>
     <dgm:txEffectClrLst/>
   </dgm:styleLbl>
-  <dgm:styleLbl name="node1">
-    <dgm:fillClrLst meth="repeat">
-      <a:schemeClr val="accent1"/>
-    </dgm:fillClrLst>
-    <dgm:linClrLst meth="repeat">
-      <a:schemeClr val="lt1"/>
-    </dgm:linClrLst>
-    <dgm:effectClrLst/>
-    <dgm:txLinClrLst/>
-    <dgm:txFillClrLst/>
-    <dgm:txEffectClrLst/>
-  </dgm:styleLbl>
-  <dgm:styleLbl name="lnNode1">
-    <dgm:fillClrLst meth="repeat">
-      <a:schemeClr val="accent1"/>
-    </dgm:fillClrLst>
-    <dgm:linClrLst meth="repeat">
-      <a:schemeClr val="lt1"/>
-    </dgm:linClrLst>
-    <dgm:effectClrLst/>
-    <dgm:txLinClrLst/>
-    <dgm:txFillClrLst/>
-    <dgm:txEffectClrLst/>
-  </dgm:styleLbl>
-  <dgm:styleLbl name="vennNode1">
+  <dgm:styleLbl name="alignAccFollowNode1">
     <dgm:fillClrLst meth="repeat">
       <a:schemeClr val="accent1">
-        <a:alpha val="50000"/>
+        <a:alpha val="90000"/>
+        <a:tint val="40000"/>
       </a:schemeClr>
     </dgm:fillClrLst>
     <dgm:linClrLst meth="repeat">
-      <a:schemeClr val="lt1"/>
-    </dgm:linClrLst>
-    <dgm:effectClrLst/>
-    <dgm:txLinClrLst/>
-    <dgm:txFillClrLst/>
-    <dgm:txEffectClrLst/>
-  </dgm:styleLbl>
-  <dgm:styleLbl name="node2">
-    <dgm:fillClrLst meth="repeat">
-      <a:schemeClr val="accent1"/>
-    </dgm:fillClrLst>
-    <dgm:linClrLst meth="repeat">
-      <a:schemeClr val="lt1"/>
-    </dgm:linClrLst>
-    <dgm:effectClrLst/>
-    <dgm:txLinClrLst/>
-    <dgm:txFillClrLst/>
-    <dgm:txEffectClrLst/>
-  </dgm:styleLbl>
-  <dgm:styleLbl name="node3">
-    <dgm:fillClrLst meth="repeat">
-      <a:schemeClr val="accent1"/>
-    </dgm:fillClrLst>
-    <dgm:linClrLst meth="repeat">
-      <a:schemeClr val="lt1"/>
-    </dgm:linClrLst>
-    <dgm:effectClrLst/>
-    <dgm:txLinClrLst/>
-    <dgm:txFillClrLst/>
-    <dgm:txEffectClrLst/>
-  </dgm:styleLbl>
-  <dgm:styleLbl name="node4">
-    <dgm:fillClrLst meth="repeat">
-      <a:schemeClr val="accent1"/>
-    </dgm:fillClrLst>
-    <dgm:linClrLst meth="repeat">
-      <a:schemeClr val="lt1"/>
-    </dgm:linClrLst>
-    <dgm:effectClrLst/>
-    <dgm:txLinClrLst/>
-    <dgm:txFillClrLst/>
-    <dgm:txEffectClrLst/>
-  </dgm:styleLbl>
-  <dgm:styleLbl name="fgImgPlace1">
-    <dgm:fillClrLst meth="repeat">
       <a:schemeClr val="accent1">
-        <a:tint val="50000"/>
+        <a:alpha val="90000"/>
+        <a:tint val="40000"/>
       </a:schemeClr>
-    </dgm:fillClrLst>
-    <dgm:linClrLst meth="repeat">
-      <a:schemeClr val="lt1"/>
     </dgm:linClrLst>
     <dgm:effectClrLst/>
     <dgm:txLinClrLst/>
     <dgm:txFillClrLst meth="repeat">
-      <a:schemeClr val="lt1"/>
+      <a:schemeClr val="dk1"/>
     </dgm:txFillClrLst>
     <dgm:txEffectClrLst/>
   </dgm:styleLbl>
@@ -251,6 +168,114 @@
     </dgm:txFillClrLst>
     <dgm:txEffectClrLst/>
   </dgm:styleLbl>
+  <dgm:styleLbl name="alignNode1">
+    <dgm:fillClrLst meth="repeat">
+      <a:schemeClr val="accent1"/>
+    </dgm:fillClrLst>
+    <dgm:linClrLst meth="repeat">
+      <a:schemeClr val="accent1"/>
+    </dgm:linClrLst>
+    <dgm:effectClrLst/>
+    <dgm:txLinClrLst/>
+    <dgm:txFillClrLst/>
+    <dgm:txEffectClrLst/>
+  </dgm:styleLbl>
+  <dgm:styleLbl name="asst0">
+    <dgm:fillClrLst meth="repeat">
+      <a:schemeClr val="accent1"/>
+    </dgm:fillClrLst>
+    <dgm:linClrLst meth="repeat">
+      <a:schemeClr val="lt1"/>
+    </dgm:linClrLst>
+    <dgm:effectClrLst/>
+    <dgm:txLinClrLst/>
+    <dgm:txFillClrLst/>
+    <dgm:txEffectClrLst/>
+  </dgm:styleLbl>
+  <dgm:styleLbl name="asst1">
+    <dgm:fillClrLst meth="repeat">
+      <a:schemeClr val="accent1"/>
+    </dgm:fillClrLst>
+    <dgm:linClrLst meth="repeat">
+      <a:schemeClr val="lt1"/>
+    </dgm:linClrLst>
+    <dgm:effectClrLst/>
+    <dgm:txLinClrLst/>
+    <dgm:txFillClrLst/>
+    <dgm:txEffectClrLst/>
+  </dgm:styleLbl>
+  <dgm:styleLbl name="asst2">
+    <dgm:fillClrLst meth="repeat">
+      <a:schemeClr val="accent1"/>
+    </dgm:fillClrLst>
+    <dgm:linClrLst meth="repeat">
+      <a:schemeClr val="lt1"/>
+    </dgm:linClrLst>
+    <dgm:effectClrLst/>
+    <dgm:txLinClrLst/>
+    <dgm:txFillClrLst/>
+    <dgm:txEffectClrLst/>
+  </dgm:styleLbl>
+  <dgm:styleLbl name="asst3">
+    <dgm:fillClrLst meth="repeat">
+      <a:schemeClr val="accent1"/>
+    </dgm:fillClrLst>
+    <dgm:linClrLst meth="repeat">
+      <a:schemeClr val="lt1"/>
+    </dgm:linClrLst>
+    <dgm:effectClrLst/>
+    <dgm:txLinClrLst/>
+    <dgm:txFillClrLst/>
+    <dgm:txEffectClrLst/>
+  </dgm:styleLbl>
+  <dgm:styleLbl name="asst4">
+    <dgm:fillClrLst meth="repeat">
+      <a:schemeClr val="accent1"/>
+    </dgm:fillClrLst>
+    <dgm:linClrLst meth="repeat">
+      <a:schemeClr val="lt1"/>
+    </dgm:linClrLst>
+    <dgm:effectClrLst/>
+    <dgm:txLinClrLst/>
+    <dgm:txFillClrLst/>
+    <dgm:txEffectClrLst/>
+  </dgm:styleLbl>
+  <dgm:styleLbl name="bgAcc1">
+    <dgm:fillClrLst meth="repeat">
+      <a:schemeClr val="lt1">
+        <a:alpha val="90000"/>
+      </a:schemeClr>
+    </dgm:fillClrLst>
+    <dgm:linClrLst meth="repeat">
+      <a:schemeClr val="accent1"/>
+    </dgm:linClrLst>
+    <dgm:effectClrLst/>
+    <dgm:txLinClrLst/>
+    <dgm:txFillClrLst meth="repeat">
+      <a:schemeClr val="dk1"/>
+    </dgm:txFillClrLst>
+    <dgm:txEffectClrLst/>
+  </dgm:styleLbl>
+  <dgm:styleLbl name="bgAccFollowNode1">
+    <dgm:fillClrLst meth="repeat">
+      <a:schemeClr val="accent1">
+        <a:alpha val="90000"/>
+        <a:tint val="40000"/>
+      </a:schemeClr>
+    </dgm:fillClrLst>
+    <dgm:linClrLst meth="repeat">
+      <a:schemeClr val="accent1">
+        <a:alpha val="90000"/>
+        <a:tint val="40000"/>
+      </a:schemeClr>
+    </dgm:linClrLst>
+    <dgm:effectClrLst/>
+    <dgm:txLinClrLst/>
+    <dgm:txFillClrLst meth="repeat">
+      <a:schemeClr val="dk1"/>
+    </dgm:txFillClrLst>
+    <dgm:txEffectClrLst/>
+  </dgm:styleLbl>
   <dgm:styleLbl name="bgImgPlace1">
     <dgm:fillClrLst meth="repeat">
       <a:schemeClr val="accent1">
@@ -267,36 +292,20 @@
     </dgm:txFillClrLst>
     <dgm:txEffectClrLst/>
   </dgm:styleLbl>
-  <dgm:styleLbl name="sibTrans2D1">
+  <dgm:styleLbl name="bgShp">
     <dgm:fillClrLst meth="repeat">
       <a:schemeClr val="accent1">
-        <a:tint val="60000"/>
+        <a:tint val="40000"/>
       </a:schemeClr>
     </dgm:fillClrLst>
     <dgm:linClrLst meth="repeat">
-      <a:schemeClr val="accent1">
-        <a:tint val="60000"/>
-      </a:schemeClr>
+      <a:schemeClr val="accent1"/>
     </dgm:linClrLst>
     <dgm:effectClrLst/>
     <dgm:txLinClrLst/>
-    <dgm:txFillClrLst/>
-    <dgm:txEffectClrLst/>
-  </dgm:styleLbl>
-  <dgm:styleLbl name="fgSibTrans2D1">
-    <dgm:fillClrLst meth="repeat">
-      <a:schemeClr val="accent1">
-        <a:tint val="60000"/>
-      </a:schemeClr>
-    </dgm:fillClrLst>
-    <dgm:linClrLst meth="repeat">
-      <a:schemeClr val="accent1">
-        <a:tint val="60000"/>
-      </a:schemeClr>
-    </dgm:linClrLst>
-    <dgm:effectClrLst/>
-    <dgm:txLinClrLst/>
-    <dgm:txFillClrLst/>
+    <dgm:txFillClrLst meth="repeat">
+      <a:schemeClr val="dk1"/>
+    </dgm:txFillClrLst>
     <dgm:txEffectClrLst/>
   </dgm:styleLbl>
   <dgm:styleLbl name="bgSibTrans2D1">
@@ -315,20 +324,6 @@
     <dgm:txFillClrLst/>
     <dgm:txEffectClrLst/>
   </dgm:styleLbl>
-  <dgm:styleLbl name="sibTrans1D1">
-    <dgm:fillClrLst meth="repeat">
-      <a:schemeClr val="accent1"/>
-    </dgm:fillClrLst>
-    <dgm:linClrLst meth="repeat">
-      <a:schemeClr val="accent1"/>
-    </dgm:linClrLst>
-    <dgm:effectClrLst/>
-    <dgm:txLinClrLst/>
-    <dgm:txFillClrLst meth="repeat">
-      <a:schemeClr val="tx1"/>
-    </dgm:txFillClrLst>
-    <dgm:txEffectClrLst/>
-  </dgm:styleLbl>
   <dgm:styleLbl name="callout">
     <dgm:fillClrLst meth="repeat">
       <a:schemeClr val="accent1"/>
@@ -345,87 +340,27 @@
     </dgm:txFillClrLst>
     <dgm:txEffectClrLst/>
   </dgm:styleLbl>
-  <dgm:styleLbl name="asst0">
+  <dgm:styleLbl name="conFgAcc1">
     <dgm:fillClrLst meth="repeat">
-      <a:schemeClr val="accent1"/>
-    </dgm:fillClrLst>
-    <dgm:linClrLst meth="repeat">
-      <a:schemeClr val="lt1"/>
-    </dgm:linClrLst>
-    <dgm:effectClrLst/>
-    <dgm:txLinClrLst/>
-    <dgm:txFillClrLst/>
-    <dgm:txEffectClrLst/>
-  </dgm:styleLbl>
-  <dgm:styleLbl name="asst1">
-    <dgm:fillClrLst meth="repeat">
-      <a:schemeClr val="accent1"/>
-    </dgm:fillClrLst>
-    <dgm:linClrLst meth="repeat">
-      <a:schemeClr val="lt1"/>
-    </dgm:linClrLst>
-    <dgm:effectClrLst/>
-    <dgm:txLinClrLst/>
-    <dgm:txFillClrLst/>
-    <dgm:txEffectClrLst/>
-  </dgm:styleLbl>
-  <dgm:styleLbl name="asst2">
-    <dgm:fillClrLst meth="repeat">
-      <a:schemeClr val="accent1"/>
-    </dgm:fillClrLst>
-    <dgm:linClrLst meth="repeat">
-      <a:schemeClr val="lt1"/>
-    </dgm:linClrLst>
-    <dgm:effectClrLst/>
-    <dgm:txLinClrLst/>
-    <dgm:txFillClrLst/>
-    <dgm:txEffectClrLst/>
-  </dgm:styleLbl>
-  <dgm:styleLbl name="asst3">
-    <dgm:fillClrLst meth="repeat">
-      <a:schemeClr val="accent1"/>
-    </dgm:fillClrLst>
-    <dgm:linClrLst meth="repeat">
-      <a:schemeClr val="lt1"/>
-    </dgm:linClrLst>
-    <dgm:effectClrLst/>
-    <dgm:txLinClrLst/>
-    <dgm:txFillClrLst/>
-    <dgm:txEffectClrLst/>
-  </dgm:styleLbl>
-  <dgm:styleLbl name="asst4">
-    <dgm:fillClrLst meth="repeat">
-      <a:schemeClr val="accent1"/>
-    </dgm:fillClrLst>
-    <dgm:linClrLst meth="repeat">
-      <a:schemeClr val="lt1"/>
-    </dgm:linClrLst>
-    <dgm:effectClrLst/>
-    <dgm:txLinClrLst/>
-    <dgm:txFillClrLst/>
-    <dgm:txEffectClrLst/>
-  </dgm:styleLbl>
-  <dgm:styleLbl name="parChTrans2D1">
-    <dgm:fillClrLst meth="repeat">
-      <a:schemeClr val="accent1">
-        <a:tint val="60000"/>
+      <a:schemeClr val="lt1">
+        <a:alpha val="90000"/>
       </a:schemeClr>
     </dgm:fillClrLst>
     <dgm:linClrLst meth="repeat">
-      <a:schemeClr val="accent1">
-        <a:tint val="60000"/>
-      </a:schemeClr>
+      <a:schemeClr val="accent1"/>
     </dgm:linClrLst>
     <dgm:effectClrLst/>
     <dgm:txLinClrLst/>
     <dgm:txFillClrLst meth="repeat">
-      <a:schemeClr val="lt1"/>
+      <a:schemeClr val="dk1"/>
     </dgm:txFillClrLst>
     <dgm:txEffectClrLst/>
   </dgm:styleLbl>
-  <dgm:styleLbl name="parChTrans2D2">
+  <dgm:styleLbl name="dkBgShp">
     <dgm:fillClrLst meth="repeat">
-      <a:schemeClr val="accent1"/>
+      <a:schemeClr val="accent1">
+        <a:shade val="80000"/>
+      </a:schemeClr>
     </dgm:fillClrLst>
     <dgm:linClrLst meth="repeat">
       <a:schemeClr val="accent1"/>
@@ -437,9 +372,11 @@
     </dgm:txFillClrLst>
     <dgm:txEffectClrLst/>
   </dgm:styleLbl>
-  <dgm:styleLbl name="parChTrans2D3">
+  <dgm:styleLbl name="fgAcc0">
     <dgm:fillClrLst meth="repeat">
-      <a:schemeClr val="accent1"/>
+      <a:schemeClr val="lt1">
+        <a:alpha val="90000"/>
+      </a:schemeClr>
     </dgm:fillClrLst>
     <dgm:linClrLst meth="repeat">
       <a:schemeClr val="accent1"/>
@@ -447,85 +384,7 @@
     <dgm:effectClrLst/>
     <dgm:txLinClrLst/>
     <dgm:txFillClrLst meth="repeat">
-      <a:schemeClr val="lt1"/>
-    </dgm:txFillClrLst>
-    <dgm:txEffectClrLst/>
-  </dgm:styleLbl>
-  <dgm:styleLbl name="parChTrans2D4">
-    <dgm:fillClrLst meth="repeat">
-      <a:schemeClr val="accent1"/>
-    </dgm:fillClrLst>
-    <dgm:linClrLst meth="repeat">
-      <a:schemeClr val="accent1"/>
-    </dgm:linClrLst>
-    <dgm:effectClrLst/>
-    <dgm:txLinClrLst/>
-    <dgm:txFillClrLst meth="repeat">
-      <a:schemeClr val="lt1"/>
-    </dgm:txFillClrLst>
-    <dgm:txEffectClrLst/>
-  </dgm:styleLbl>
-  <dgm:styleLbl name="parChTrans1D1">
-    <dgm:fillClrLst meth="repeat">
-      <a:schemeClr val="accent1"/>
-    </dgm:fillClrLst>
-    <dgm:linClrLst meth="repeat">
-      <a:schemeClr val="accent1">
-        <a:shade val="60000"/>
-      </a:schemeClr>
-    </dgm:linClrLst>
-    <dgm:effectClrLst/>
-    <dgm:txLinClrLst/>
-    <dgm:txFillClrLst meth="repeat">
-      <a:schemeClr val="tx1"/>
-    </dgm:txFillClrLst>
-    <dgm:txEffectClrLst/>
-  </dgm:styleLbl>
-  <dgm:styleLbl name="parChTrans1D2">
-    <dgm:fillClrLst meth="repeat">
-      <a:schemeClr val="accent1"/>
-    </dgm:fillClrLst>
-    <dgm:linClrLst meth="repeat">
-      <a:schemeClr val="accent1">
-        <a:shade val="60000"/>
-      </a:schemeClr>
-    </dgm:linClrLst>
-    <dgm:effectClrLst/>
-    <dgm:txLinClrLst/>
-    <dgm:txFillClrLst meth="repeat">
-      <a:schemeClr val="tx1"/>
-    </dgm:txFillClrLst>
-    <dgm:txEffectClrLst/>
-  </dgm:styleLbl>
-  <dgm:styleLbl name="parChTrans1D3">
-    <dgm:fillClrLst meth="repeat">
-      <a:schemeClr val="accent1"/>
-    </dgm:fillClrLst>
-    <dgm:linClrLst meth="repeat">
-      <a:schemeClr val="accent1">
-        <a:shade val="80000"/>
-      </a:schemeClr>
-    </dgm:linClrLst>
-    <dgm:effectClrLst/>
-    <dgm:txLinClrLst/>
-    <dgm:txFillClrLst meth="repeat">
-      <a:schemeClr val="tx1"/>
-    </dgm:txFillClrLst>
-    <dgm:txEffectClrLst/>
-  </dgm:styleLbl>
-  <dgm:styleLbl name="parChTrans1D4">
-    <dgm:fillClrLst meth="repeat">
-      <a:schemeClr val="accent1"/>
-    </dgm:fillClrLst>
-    <dgm:linClrLst meth="repeat">
-      <a:schemeClr val="accent1">
-        <a:shade val="80000"/>
-      </a:schemeClr>
-    </dgm:linClrLst>
-    <dgm:effectClrLst/>
-    <dgm:txLinClrLst/>
-    <dgm:txFillClrLst meth="repeat">
-      <a:schemeClr val="tx1"/>
+      <a:schemeClr val="dk1"/>
     </dgm:txFillClrLst>
     <dgm:txEffectClrLst/>
   </dgm:styleLbl>
@@ -545,7 +404,7 @@
     </dgm:txFillClrLst>
     <dgm:txEffectClrLst/>
   </dgm:styleLbl>
-  <dgm:styleLbl name="conFgAcc1">
+  <dgm:styleLbl name="fgAcc2">
     <dgm:fillClrLst meth="repeat">
       <a:schemeClr val="lt1">
         <a:alpha val="90000"/>
@@ -561,7 +420,7 @@
     </dgm:txFillClrLst>
     <dgm:txEffectClrLst/>
   </dgm:styleLbl>
-  <dgm:styleLbl name="alignAcc1">
+  <dgm:styleLbl name="fgAcc3">
     <dgm:fillClrLst meth="repeat">
       <a:schemeClr val="lt1">
         <a:alpha val="90000"/>
@@ -577,69 +436,11 @@
     </dgm:txFillClrLst>
     <dgm:txEffectClrLst/>
   </dgm:styleLbl>
-  <dgm:styleLbl name="trAlignAcc1">
-    <dgm:fillClrLst meth="repeat">
-      <a:schemeClr val="lt1">
-        <a:alpha val="40000"/>
-      </a:schemeClr>
-    </dgm:fillClrLst>
-    <dgm:linClrLst meth="repeat">
-      <a:schemeClr val="accent1"/>
-    </dgm:linClrLst>
-    <dgm:effectClrLst/>
-    <dgm:txLinClrLst/>
-    <dgm:txFillClrLst meth="repeat">
-      <a:schemeClr val="dk1"/>
-    </dgm:txFillClrLst>
-    <dgm:txEffectClrLst/>
-  </dgm:styleLbl>
-  <dgm:styleLbl name="bgAcc1">
+  <dgm:styleLbl name="fgAcc4">
     <dgm:fillClrLst meth="repeat">
       <a:schemeClr val="lt1">
         <a:alpha val="90000"/>
       </a:schemeClr>
-    </dgm:fillClrLst>
-    <dgm:linClrLst meth="repeat">
-      <a:schemeClr val="accent1"/>
-    </dgm:linClrLst>
-    <dgm:effectClrLst/>
-    <dgm:txLinClrLst/>
-    <dgm:txFillClrLst meth="repeat">
-      <a:schemeClr val="dk1"/>
-    </dgm:txFillClrLst>
-    <dgm:txEffectClrLst/>
-  </dgm:styleLbl>
-  <dgm:styleLbl name="solidFgAcc1">
-    <dgm:fillClrLst meth="repeat">
-      <a:schemeClr val="lt1"/>
-    </dgm:fillClrLst>
-    <dgm:linClrLst meth="repeat">
-      <a:schemeClr val="accent1"/>
-    </dgm:linClrLst>
-    <dgm:effectClrLst/>
-    <dgm:txLinClrLst/>
-    <dgm:txFillClrLst meth="repeat">
-      <a:schemeClr val="dk1"/>
-    </dgm:txFillClrLst>
-    <dgm:txEffectClrLst/>
-  </dgm:styleLbl>
-  <dgm:styleLbl name="solidAlignAcc1">
-    <dgm:fillClrLst meth="repeat">
-      <a:schemeClr val="lt1"/>
-    </dgm:fillClrLst>
-    <dgm:linClrLst meth="repeat">
-      <a:schemeClr val="accent1"/>
-    </dgm:linClrLst>
-    <dgm:effectClrLst/>
-    <dgm:txLinClrLst/>
-    <dgm:txFillClrLst meth="repeat">
-      <a:schemeClr val="dk1"/>
-    </dgm:txFillClrLst>
-    <dgm:txEffectClrLst/>
-  </dgm:styleLbl>
-  <dgm:styleLbl name="solidBgAcc1">
-    <dgm:fillClrLst meth="repeat">
-      <a:schemeClr val="lt1"/>
     </dgm:fillClrLst>
     <dgm:linClrLst meth="repeat">
       <a:schemeClr val="accent1"/>
@@ -671,18 +472,30 @@
     </dgm:txFillClrLst>
     <dgm:txEffectClrLst/>
   </dgm:styleLbl>
-  <dgm:styleLbl name="alignAccFollowNode1">
+  <dgm:styleLbl name="fgImgPlace1">
     <dgm:fillClrLst meth="repeat">
       <a:schemeClr val="accent1">
-        <a:alpha val="90000"/>
-        <a:tint val="40000"/>
+        <a:tint val="50000"/>
       </a:schemeClr>
     </dgm:fillClrLst>
     <dgm:linClrLst meth="repeat">
+      <a:schemeClr val="lt1"/>
+    </dgm:linClrLst>
+    <dgm:effectClrLst/>
+    <dgm:txLinClrLst/>
+    <dgm:txFillClrLst meth="repeat">
+      <a:schemeClr val="lt1"/>
+    </dgm:txFillClrLst>
+    <dgm:txEffectClrLst/>
+  </dgm:styleLbl>
+  <dgm:styleLbl name="fgShp">
+    <dgm:fillClrLst meth="repeat">
       <a:schemeClr val="accent1">
-        <a:alpha val="90000"/>
-        <a:tint val="40000"/>
+        <a:tint val="60000"/>
       </a:schemeClr>
+    </dgm:fillClrLst>
+    <dgm:linClrLst meth="repeat">
+      <a:schemeClr val="lt1"/>
     </dgm:linClrLst>
     <dgm:effectClrLst/>
     <dgm:txLinClrLst/>
@@ -691,31 +504,269 @@
     </dgm:txFillClrLst>
     <dgm:txEffectClrLst/>
   </dgm:styleLbl>
-  <dgm:styleLbl name="bgAccFollowNode1">
+  <dgm:styleLbl name="fgSibTrans2D1">
     <dgm:fillClrLst meth="repeat">
       <a:schemeClr val="accent1">
-        <a:alpha val="90000"/>
-        <a:tint val="40000"/>
+        <a:tint val="60000"/>
       </a:schemeClr>
     </dgm:fillClrLst>
     <dgm:linClrLst meth="repeat">
       <a:schemeClr val="accent1">
-        <a:alpha val="90000"/>
-        <a:tint val="40000"/>
+        <a:tint val="60000"/>
+      </a:schemeClr>
+    </dgm:linClrLst>
+    <dgm:effectClrLst/>
+    <dgm:txLinClrLst/>
+    <dgm:txFillClrLst/>
+    <dgm:txEffectClrLst/>
+  </dgm:styleLbl>
+  <dgm:styleLbl name="lnNode1">
+    <dgm:fillClrLst meth="repeat">
+      <a:schemeClr val="accent1"/>
+    </dgm:fillClrLst>
+    <dgm:linClrLst meth="repeat">
+      <a:schemeClr val="lt1"/>
+    </dgm:linClrLst>
+    <dgm:effectClrLst/>
+    <dgm:txLinClrLst/>
+    <dgm:txFillClrLst/>
+    <dgm:txEffectClrLst/>
+  </dgm:styleLbl>
+  <dgm:styleLbl name="node0">
+    <dgm:fillClrLst meth="repeat">
+      <a:schemeClr val="accent1"/>
+    </dgm:fillClrLst>
+    <dgm:linClrLst meth="repeat">
+      <a:schemeClr val="lt1"/>
+    </dgm:linClrLst>
+    <dgm:effectClrLst/>
+    <dgm:txLinClrLst/>
+    <dgm:txFillClrLst/>
+    <dgm:txEffectClrLst/>
+  </dgm:styleLbl>
+  <dgm:styleLbl name="node1">
+    <dgm:fillClrLst meth="repeat">
+      <a:schemeClr val="accent1"/>
+    </dgm:fillClrLst>
+    <dgm:linClrLst meth="repeat">
+      <a:schemeClr val="lt1"/>
+    </dgm:linClrLst>
+    <dgm:effectClrLst/>
+    <dgm:txLinClrLst/>
+    <dgm:txFillClrLst/>
+    <dgm:txEffectClrLst/>
+  </dgm:styleLbl>
+  <dgm:styleLbl name="node2">
+    <dgm:fillClrLst meth="repeat">
+      <a:schemeClr val="accent1"/>
+    </dgm:fillClrLst>
+    <dgm:linClrLst meth="repeat">
+      <a:schemeClr val="lt1"/>
+    </dgm:linClrLst>
+    <dgm:effectClrLst/>
+    <dgm:txLinClrLst/>
+    <dgm:txFillClrLst/>
+    <dgm:txEffectClrLst/>
+  </dgm:styleLbl>
+  <dgm:styleLbl name="node3">
+    <dgm:fillClrLst meth="repeat">
+      <a:schemeClr val="accent1"/>
+    </dgm:fillClrLst>
+    <dgm:linClrLst meth="repeat">
+      <a:schemeClr val="lt1"/>
+    </dgm:linClrLst>
+    <dgm:effectClrLst/>
+    <dgm:txLinClrLst/>
+    <dgm:txFillClrLst/>
+    <dgm:txEffectClrLst/>
+  </dgm:styleLbl>
+  <dgm:styleLbl name="node4">
+    <dgm:fillClrLst meth="repeat">
+      <a:schemeClr val="accent1"/>
+    </dgm:fillClrLst>
+    <dgm:linClrLst meth="repeat">
+      <a:schemeClr val="lt1"/>
+    </dgm:linClrLst>
+    <dgm:effectClrLst/>
+    <dgm:txLinClrLst/>
+    <dgm:txFillClrLst/>
+    <dgm:txEffectClrLst/>
+  </dgm:styleLbl>
+  <dgm:styleLbl name="parChTrans1D1">
+    <dgm:fillClrLst meth="repeat">
+      <a:schemeClr val="accent1"/>
+    </dgm:fillClrLst>
+    <dgm:linClrLst meth="repeat">
+      <a:schemeClr val="accent1">
+        <a:shade val="60000"/>
       </a:schemeClr>
     </dgm:linClrLst>
     <dgm:effectClrLst/>
     <dgm:txLinClrLst/>
     <dgm:txFillClrLst meth="repeat">
-      <a:schemeClr val="dk1"/>
+      <a:schemeClr val="tx1"/>
     </dgm:txFillClrLst>
     <dgm:txEffectClrLst/>
   </dgm:styleLbl>
-  <dgm:styleLbl name="fgAcc0">
+  <dgm:styleLbl name="parChTrans1D2">
+    <dgm:fillClrLst meth="repeat">
+      <a:schemeClr val="accent1"/>
+    </dgm:fillClrLst>
+    <dgm:linClrLst meth="repeat">
+      <a:schemeClr val="accent1">
+        <a:shade val="60000"/>
+      </a:schemeClr>
+    </dgm:linClrLst>
+    <dgm:effectClrLst/>
+    <dgm:txLinClrLst/>
+    <dgm:txFillClrLst meth="repeat">
+      <a:schemeClr val="tx1"/>
+    </dgm:txFillClrLst>
+    <dgm:txEffectClrLst/>
+  </dgm:styleLbl>
+  <dgm:styleLbl name="parChTrans1D3">
+    <dgm:fillClrLst meth="repeat">
+      <a:schemeClr val="accent1"/>
+    </dgm:fillClrLst>
+    <dgm:linClrLst meth="repeat">
+      <a:schemeClr val="accent1">
+        <a:shade val="80000"/>
+      </a:schemeClr>
+    </dgm:linClrLst>
+    <dgm:effectClrLst/>
+    <dgm:txLinClrLst/>
+    <dgm:txFillClrLst meth="repeat">
+      <a:schemeClr val="tx1"/>
+    </dgm:txFillClrLst>
+    <dgm:txEffectClrLst/>
+  </dgm:styleLbl>
+  <dgm:styleLbl name="parChTrans1D4">
+    <dgm:fillClrLst meth="repeat">
+      <a:schemeClr val="accent1"/>
+    </dgm:fillClrLst>
+    <dgm:linClrLst meth="repeat">
+      <a:schemeClr val="accent1">
+        <a:shade val="80000"/>
+      </a:schemeClr>
+    </dgm:linClrLst>
+    <dgm:effectClrLst/>
+    <dgm:txLinClrLst/>
+    <dgm:txFillClrLst meth="repeat">
+      <a:schemeClr val="tx1"/>
+    </dgm:txFillClrLst>
+    <dgm:txEffectClrLst/>
+  </dgm:styleLbl>
+  <dgm:styleLbl name="parChTrans2D1">
+    <dgm:fillClrLst meth="repeat">
+      <a:schemeClr val="accent1">
+        <a:tint val="60000"/>
+      </a:schemeClr>
+    </dgm:fillClrLst>
+    <dgm:linClrLst meth="repeat">
+      <a:schemeClr val="accent1">
+        <a:tint val="60000"/>
+      </a:schemeClr>
+    </dgm:linClrLst>
+    <dgm:effectClrLst/>
+    <dgm:txLinClrLst/>
+    <dgm:txFillClrLst meth="repeat">
+      <a:schemeClr val="lt1"/>
+    </dgm:txFillClrLst>
+    <dgm:txEffectClrLst/>
+  </dgm:styleLbl>
+  <dgm:styleLbl name="parChTrans2D2">
+    <dgm:fillClrLst meth="repeat">
+      <a:schemeClr val="accent1"/>
+    </dgm:fillClrLst>
+    <dgm:linClrLst meth="repeat">
+      <a:schemeClr val="accent1"/>
+    </dgm:linClrLst>
+    <dgm:effectClrLst/>
+    <dgm:txLinClrLst/>
+    <dgm:txFillClrLst meth="repeat">
+      <a:schemeClr val="lt1"/>
+    </dgm:txFillClrLst>
+    <dgm:txEffectClrLst/>
+  </dgm:styleLbl>
+  <dgm:styleLbl name="parChTrans2D3">
+    <dgm:fillClrLst meth="repeat">
+      <a:schemeClr val="accent1"/>
+    </dgm:fillClrLst>
+    <dgm:linClrLst meth="repeat">
+      <a:schemeClr val="accent1"/>
+    </dgm:linClrLst>
+    <dgm:effectClrLst/>
+    <dgm:txLinClrLst/>
+    <dgm:txFillClrLst meth="repeat">
+      <a:schemeClr val="lt1"/>
+    </dgm:txFillClrLst>
+    <dgm:txEffectClrLst/>
+  </dgm:styleLbl>
+  <dgm:styleLbl name="parChTrans2D4">
+    <dgm:fillClrLst meth="repeat">
+      <a:schemeClr val="accent1"/>
+    </dgm:fillClrLst>
+    <dgm:linClrLst meth="repeat">
+      <a:schemeClr val="accent1"/>
+    </dgm:linClrLst>
+    <dgm:effectClrLst/>
+    <dgm:txLinClrLst/>
+    <dgm:txFillClrLst meth="repeat">
+      <a:schemeClr val="lt1"/>
+    </dgm:txFillClrLst>
+    <dgm:txEffectClrLst/>
+  </dgm:styleLbl>
+  <dgm:styleLbl name="revTx">
     <dgm:fillClrLst meth="repeat">
       <a:schemeClr val="lt1">
-        <a:alpha val="90000"/>
+        <a:alpha val="0"/>
       </a:schemeClr>
+    </dgm:fillClrLst>
+    <dgm:linClrLst meth="repeat">
+      <a:schemeClr val="dk1">
+        <a:alpha val="0"/>
+      </a:schemeClr>
+    </dgm:linClrLst>
+    <dgm:effectClrLst/>
+    <dgm:txLinClrLst/>
+    <dgm:txFillClrLst meth="repeat">
+      <a:schemeClr val="tx1"/>
+    </dgm:txFillClrLst>
+    <dgm:txEffectClrLst/>
+  </dgm:styleLbl>
+  <dgm:styleLbl name="sibTrans1D1">
+    <dgm:fillClrLst meth="repeat">
+      <a:schemeClr val="accent1"/>
+    </dgm:fillClrLst>
+    <dgm:linClrLst meth="repeat">
+      <a:schemeClr val="accent1"/>
+    </dgm:linClrLst>
+    <dgm:effectClrLst/>
+    <dgm:txLinClrLst/>
+    <dgm:txFillClrLst meth="repeat">
+      <a:schemeClr val="tx1"/>
+    </dgm:txFillClrLst>
+    <dgm:txEffectClrLst/>
+  </dgm:styleLbl>
+  <dgm:styleLbl name="sibTrans2D1">
+    <dgm:fillClrLst meth="repeat">
+      <a:schemeClr val="accent1">
+        <a:tint val="60000"/>
+      </a:schemeClr>
+    </dgm:fillClrLst>
+    <dgm:linClrLst meth="repeat">
+      <a:schemeClr val="accent1">
+        <a:tint val="60000"/>
+      </a:schemeClr>
+    </dgm:linClrLst>
+    <dgm:effectClrLst/>
+    <dgm:txLinClrLst/>
+    <dgm:txFillClrLst/>
+    <dgm:txEffectClrLst/>
+  </dgm:styleLbl>
+  <dgm:styleLbl name="solidAlignAcc1">
+    <dgm:fillClrLst meth="repeat">
+      <a:schemeClr val="lt1"/>
     </dgm:fillClrLst>
     <dgm:linClrLst meth="repeat">
       <a:schemeClr val="accent1"/>
@@ -727,11 +778,9 @@
     </dgm:txFillClrLst>
     <dgm:txEffectClrLst/>
   </dgm:styleLbl>
-  <dgm:styleLbl name="fgAcc2">
+  <dgm:styleLbl name="solidBgAcc1">
     <dgm:fillClrLst meth="repeat">
-      <a:schemeClr val="lt1">
-        <a:alpha val="90000"/>
-      </a:schemeClr>
+      <a:schemeClr val="lt1"/>
     </dgm:fillClrLst>
     <dgm:linClrLst meth="repeat">
       <a:schemeClr val="accent1"/>
@@ -743,11 +792,9 @@
     </dgm:txFillClrLst>
     <dgm:txEffectClrLst/>
   </dgm:styleLbl>
-  <dgm:styleLbl name="fgAcc3">
+  <dgm:styleLbl name="solidFgAcc1">
     <dgm:fillClrLst meth="repeat">
-      <a:schemeClr val="lt1">
-        <a:alpha val="90000"/>
-      </a:schemeClr>
+      <a:schemeClr val="lt1"/>
     </dgm:fillClrLst>
     <dgm:linClrLst meth="repeat">
       <a:schemeClr val="accent1"/>
@@ -759,10 +806,10 @@
     </dgm:txFillClrLst>
     <dgm:txEffectClrLst/>
   </dgm:styleLbl>
-  <dgm:styleLbl name="fgAcc4">
+  <dgm:styleLbl name="trAlignAcc1">
     <dgm:fillClrLst meth="repeat">
       <a:schemeClr val="lt1">
-        <a:alpha val="90000"/>
+        <a:alpha val="40000"/>
       </a:schemeClr>
     </dgm:fillClrLst>
     <dgm:linClrLst meth="repeat">
@@ -772,38 +819,6 @@
     <dgm:txLinClrLst/>
     <dgm:txFillClrLst meth="repeat">
       <a:schemeClr val="dk1"/>
-    </dgm:txFillClrLst>
-    <dgm:txEffectClrLst/>
-  </dgm:styleLbl>
-  <dgm:styleLbl name="bgShp">
-    <dgm:fillClrLst meth="repeat">
-      <a:schemeClr val="accent1">
-        <a:tint val="40000"/>
-      </a:schemeClr>
-    </dgm:fillClrLst>
-    <dgm:linClrLst meth="repeat">
-      <a:schemeClr val="accent1"/>
-    </dgm:linClrLst>
-    <dgm:effectClrLst/>
-    <dgm:txLinClrLst/>
-    <dgm:txFillClrLst meth="repeat">
-      <a:schemeClr val="dk1"/>
-    </dgm:txFillClrLst>
-    <dgm:txEffectClrLst/>
-  </dgm:styleLbl>
-  <dgm:styleLbl name="dkBgShp">
-    <dgm:fillClrLst meth="repeat">
-      <a:schemeClr val="accent1">
-        <a:shade val="80000"/>
-      </a:schemeClr>
-    </dgm:fillClrLst>
-    <dgm:linClrLst meth="repeat">
-      <a:schemeClr val="accent1"/>
-    </dgm:linClrLst>
-    <dgm:effectClrLst/>
-    <dgm:txLinClrLst/>
-    <dgm:txFillClrLst meth="repeat">
-      <a:schemeClr val="lt1"/>
     </dgm:txFillClrLst>
     <dgm:txEffectClrLst/>
   </dgm:styleLbl>
@@ -824,10 +839,10 @@
     </dgm:txFillClrLst>
     <dgm:txEffectClrLst/>
   </dgm:styleLbl>
-  <dgm:styleLbl name="fgShp">
+  <dgm:styleLbl name="vennNode1">
     <dgm:fillClrLst meth="repeat">
       <a:schemeClr val="accent1">
-        <a:tint val="60000"/>
+        <a:alpha val="50000"/>
       </a:schemeClr>
     </dgm:fillClrLst>
     <dgm:linClrLst meth="repeat">
@@ -835,27 +850,7 @@
     </dgm:linClrLst>
     <dgm:effectClrLst/>
     <dgm:txLinClrLst/>
-    <dgm:txFillClrLst meth="repeat">
-      <a:schemeClr val="dk1"/>
-    </dgm:txFillClrLst>
-    <dgm:txEffectClrLst/>
-  </dgm:styleLbl>
-  <dgm:styleLbl name="revTx">
-    <dgm:fillClrLst meth="repeat">
-      <a:schemeClr val="lt1">
-        <a:alpha val="0"/>
-      </a:schemeClr>
-    </dgm:fillClrLst>
-    <dgm:linClrLst meth="repeat">
-      <a:schemeClr val="dk1">
-        <a:alpha val="0"/>
-      </a:schemeClr>
-    </dgm:linClrLst>
-    <dgm:effectClrLst/>
-    <dgm:txLinClrLst/>
-    <dgm:txFillClrLst meth="repeat">
-      <a:schemeClr val="tx1"/>
-    </dgm:txFillClrLst>
+    <dgm:txFillClrLst/>
     <dgm:txEffectClrLst/>
   </dgm:styleLbl>
 </dgm:colorsDef>
@@ -917,7 +912,7 @@
         </a:p>
       </dgm:t>
     </dgm:pt>
-    <dgm:pt modelId="{5084BDE7-69EB-4BB0-B123-3CA187591EB2}" type="parTrans" cxnId="{1FD138E8-DA2E-48B2-8AF1-34CD6B9F6C1D}">
+    <dgm:pt modelId="{5084BDE7-69EB-4BB0-B123-3CA187591EB2}" cxnId="{1FD138E8-DA2E-48B2-8AF1-34CD6B9F6C1D}" type="parTrans">
       <dgm:prSet/>
       <dgm:spPr/>
       <dgm:t>
@@ -928,7 +923,7 @@
         </a:p>
       </dgm:t>
     </dgm:pt>
-    <dgm:pt modelId="{30166E0B-D4C0-41FB-BBB0-28E75379FA9A}" type="sibTrans" cxnId="{1FD138E8-DA2E-48B2-8AF1-34CD6B9F6C1D}">
+    <dgm:pt modelId="{30166E0B-D4C0-41FB-BBB0-28E75379FA9A}" cxnId="{1FD138E8-DA2E-48B2-8AF1-34CD6B9F6C1D}" type="sibTrans">
       <dgm:prSet/>
       <dgm:spPr/>
       <dgm:t>
@@ -988,7 +983,7 @@
         </a:p>
       </dgm:t>
     </dgm:pt>
-    <dgm:pt modelId="{2B869484-1F46-4FA6-92F7-498B95FFD807}" type="parTrans" cxnId="{52C70FBF-03CD-448B-8463-A482A97C07F0}">
+    <dgm:pt modelId="{2B869484-1F46-4FA6-92F7-498B95FFD807}" cxnId="{52C70FBF-03CD-448B-8463-A482A97C07F0}" type="parTrans">
       <dgm:prSet/>
       <dgm:spPr/>
       <dgm:t>
@@ -999,7 +994,7 @@
         </a:p>
       </dgm:t>
     </dgm:pt>
-    <dgm:pt modelId="{E57D51D8-7611-40CF-8567-503464B49665}" type="sibTrans" cxnId="{52C70FBF-03CD-448B-8463-A482A97C07F0}">
+    <dgm:pt modelId="{E57D51D8-7611-40CF-8567-503464B49665}" cxnId="{52C70FBF-03CD-448B-8463-A482A97C07F0}" type="sibTrans">
       <dgm:prSet/>
       <dgm:spPr/>
       <dgm:t>
@@ -1045,7 +1040,7 @@
         </a:p>
       </dgm:t>
     </dgm:pt>
-    <dgm:pt modelId="{415A6A98-BBB3-48E8-8CB9-2F22D6A75333}" type="parTrans" cxnId="{5E650326-9961-4757-AA55-C296D8CD1D60}">
+    <dgm:pt modelId="{415A6A98-BBB3-48E8-8CB9-2F22D6A75333}" cxnId="{5E650326-9961-4757-AA55-C296D8CD1D60}" type="parTrans">
       <dgm:prSet/>
       <dgm:spPr/>
       <dgm:t>
@@ -1056,7 +1051,7 @@
         </a:p>
       </dgm:t>
     </dgm:pt>
-    <dgm:pt modelId="{ACDE5043-C54D-4522-B1C6-F6CFCFEDD177}" type="sibTrans" cxnId="{5E650326-9961-4757-AA55-C296D8CD1D60}">
+    <dgm:pt modelId="{ACDE5043-C54D-4522-B1C6-F6CFCFEDD177}" cxnId="{5E650326-9961-4757-AA55-C296D8CD1D60}" type="sibTrans">
       <dgm:prSet/>
       <dgm:spPr/>
       <dgm:t>
@@ -1102,7 +1097,7 @@
         </a:p>
       </dgm:t>
     </dgm:pt>
-    <dgm:pt modelId="{291C0470-835D-496C-8BDD-AAA35E514303}" type="parTrans" cxnId="{1929EF85-060C-4724-BFC6-63FA65AD929D}">
+    <dgm:pt modelId="{291C0470-835D-496C-8BDD-AAA35E514303}" cxnId="{1929EF85-060C-4724-BFC6-63FA65AD929D}" type="parTrans">
       <dgm:prSet/>
       <dgm:spPr/>
       <dgm:t>
@@ -1113,7 +1108,7 @@
         </a:p>
       </dgm:t>
     </dgm:pt>
-    <dgm:pt modelId="{3E14B35B-97FD-47D3-AD85-5FC5C8DB8355}" type="sibTrans" cxnId="{1929EF85-060C-4724-BFC6-63FA65AD929D}">
+    <dgm:pt modelId="{3E14B35B-97FD-47D3-AD85-5FC5C8DB8355}" cxnId="{1929EF85-060C-4724-BFC6-63FA65AD929D}" type="sibTrans">
       <dgm:prSet/>
       <dgm:spPr/>
       <dgm:t>
@@ -1159,7 +1154,7 @@
         </a:p>
       </dgm:t>
     </dgm:pt>
-    <dgm:pt modelId="{E7195E26-0E27-4EA7-AECD-A4D31C6C08C1}" type="parTrans" cxnId="{24ED7EAA-D440-4236-957F-26274AF26FEA}">
+    <dgm:pt modelId="{E7195E26-0E27-4EA7-AECD-A4D31C6C08C1}" cxnId="{24ED7EAA-D440-4236-957F-26274AF26FEA}" type="parTrans">
       <dgm:prSet/>
       <dgm:spPr/>
       <dgm:t>
@@ -1170,7 +1165,7 @@
         </a:p>
       </dgm:t>
     </dgm:pt>
-    <dgm:pt modelId="{217762F7-5728-4FE8-ADE3-FB3AB3E2C8AD}" type="sibTrans" cxnId="{24ED7EAA-D440-4236-957F-26274AF26FEA}">
+    <dgm:pt modelId="{217762F7-5728-4FE8-ADE3-FB3AB3E2C8AD}" cxnId="{24ED7EAA-D440-4236-957F-26274AF26FEA}" type="sibTrans">
       <dgm:prSet/>
       <dgm:spPr/>
       <dgm:t>
@@ -1384,7 +1379,7 @@
   <dgm:whole/>
   <dgm:extLst>
     <a:ext uri="http://schemas.microsoft.com/office/drawing/2008/diagram">
-      <dsp:dataModelExt xmlns:dsp="http://schemas.microsoft.com/office/drawing/2008/diagram" relId="rId6" minVer="http://schemas.openxmlformats.org/drawingml/2006/diagram"/>
+      <dsp:dataModelExt xmlns:dsp="http://schemas.microsoft.com/office/drawing/2008/diagram" relId="rId5" minVer="http://schemas.openxmlformats.org/drawingml/2006/diagram"/>
     </a:ext>
   </dgm:extLst>
 </dgm:dataModel>
@@ -3092,12 +3087,12 @@
         </dgm:layoutNode>
         <dgm:layoutNode name="conn" styleLbl="parChTrans1D2">
           <dgm:alg type="conn">
-            <dgm:param type="connRout" val="curve"/>
             <dgm:param type="srcNode" val="srcNode"/>
             <dgm:param type="dstNode" val="dstNode"/>
+            <dgm:param type="endSty" val="noArr"/>
+            <dgm:param type="connRout" val="curve"/>
             <dgm:param type="begPts" val="ctr"/>
             <dgm:param type="endPts" val="ctr"/>
-            <dgm:param type="endSty" val="noArr"/>
           </dgm:alg>
           <dgm:shape xmlns:r="http://schemas.openxmlformats.org/officeDocument/2006/relationships" type="conn" r:blip="">
             <dgm:adjLst/>
@@ -3145,16 +3140,16 @@
             <dgm:if name="Name26" func="var" arg="dir" op="equ" val="norm">
               <dgm:alg type="tx">
                 <dgm:param type="parTxLTRAlign" val="l"/>
+                <dgm:param type="parTxRTLAlign" val="l"/>
                 <dgm:param type="shpTxLTRAlignCh" val="l"/>
-                <dgm:param type="parTxRTLAlign" val="l"/>
                 <dgm:param type="shpTxRTLAlignCh" val="l"/>
               </dgm:alg>
             </dgm:if>
             <dgm:else name="Name27">
               <dgm:alg type="tx">
                 <dgm:param type="parTxLTRAlign" val="r"/>
+                <dgm:param type="parTxRTLAlign" val="r"/>
                 <dgm:param type="shpTxLTRAlignCh" val="r"/>
-                <dgm:param type="parTxRTLAlign" val="r"/>
                 <dgm:param type="shpTxRTLAlignCh" val="r"/>
               </dgm:alg>
             </dgm:else>
@@ -3193,16 +3188,16 @@
             <dgm:if name="Name31" func="var" arg="dir" op="equ" val="norm">
               <dgm:alg type="tx">
                 <dgm:param type="parTxLTRAlign" val="l"/>
+                <dgm:param type="parTxRTLAlign" val="l"/>
                 <dgm:param type="shpTxLTRAlignCh" val="l"/>
-                <dgm:param type="parTxRTLAlign" val="l"/>
                 <dgm:param type="shpTxRTLAlignCh" val="l"/>
               </dgm:alg>
             </dgm:if>
             <dgm:else name="Name32">
               <dgm:alg type="tx">
                 <dgm:param type="parTxLTRAlign" val="r"/>
+                <dgm:param type="parTxRTLAlign" val="r"/>
                 <dgm:param type="shpTxLTRAlignCh" val="r"/>
-                <dgm:param type="parTxRTLAlign" val="r"/>
                 <dgm:param type="shpTxRTLAlignCh" val="r"/>
               </dgm:alg>
             </dgm:else>
@@ -3241,16 +3236,16 @@
             <dgm:if name="Name36" func="var" arg="dir" op="equ" val="norm">
               <dgm:alg type="tx">
                 <dgm:param type="parTxLTRAlign" val="l"/>
+                <dgm:param type="parTxRTLAlign" val="l"/>
                 <dgm:param type="shpTxLTRAlignCh" val="l"/>
-                <dgm:param type="parTxRTLAlign" val="l"/>
                 <dgm:param type="shpTxRTLAlignCh" val="l"/>
               </dgm:alg>
             </dgm:if>
             <dgm:else name="Name37">
               <dgm:alg type="tx">
                 <dgm:param type="parTxLTRAlign" val="r"/>
+                <dgm:param type="parTxRTLAlign" val="r"/>
                 <dgm:param type="shpTxLTRAlignCh" val="r"/>
-                <dgm:param type="parTxRTLAlign" val="r"/>
                 <dgm:param type="shpTxRTLAlignCh" val="r"/>
               </dgm:alg>
             </dgm:else>
@@ -3289,16 +3284,16 @@
             <dgm:if name="Name41" func="var" arg="dir" op="equ" val="norm">
               <dgm:alg type="tx">
                 <dgm:param type="parTxLTRAlign" val="l"/>
+                <dgm:param type="parTxRTLAlign" val="l"/>
                 <dgm:param type="shpTxLTRAlignCh" val="l"/>
-                <dgm:param type="parTxRTLAlign" val="l"/>
                 <dgm:param type="shpTxRTLAlignCh" val="l"/>
               </dgm:alg>
             </dgm:if>
             <dgm:else name="Name42">
               <dgm:alg type="tx">
                 <dgm:param type="parTxLTRAlign" val="r"/>
+                <dgm:param type="parTxRTLAlign" val="r"/>
                 <dgm:param type="shpTxLTRAlignCh" val="r"/>
-                <dgm:param type="parTxRTLAlign" val="r"/>
                 <dgm:param type="shpTxRTLAlignCh" val="r"/>
               </dgm:alg>
             </dgm:else>
@@ -3337,16 +3332,16 @@
             <dgm:if name="Name46" func="var" arg="dir" op="equ" val="norm">
               <dgm:alg type="tx">
                 <dgm:param type="parTxLTRAlign" val="l"/>
+                <dgm:param type="parTxRTLAlign" val="l"/>
                 <dgm:param type="shpTxLTRAlignCh" val="l"/>
-                <dgm:param type="parTxRTLAlign" val="l"/>
                 <dgm:param type="shpTxRTLAlignCh" val="l"/>
               </dgm:alg>
             </dgm:if>
             <dgm:else name="Name47">
               <dgm:alg type="tx">
                 <dgm:param type="parTxLTRAlign" val="r"/>
+                <dgm:param type="parTxRTLAlign" val="r"/>
                 <dgm:param type="shpTxLTRAlignCh" val="r"/>
-                <dgm:param type="parTxRTLAlign" val="r"/>
                 <dgm:param type="shpTxRTLAlignCh" val="r"/>
               </dgm:alg>
             </dgm:else>
@@ -3385,16 +3380,16 @@
             <dgm:if name="Name51" func="var" arg="dir" op="equ" val="norm">
               <dgm:alg type="tx">
                 <dgm:param type="parTxLTRAlign" val="l"/>
+                <dgm:param type="parTxRTLAlign" val="l"/>
                 <dgm:param type="shpTxLTRAlignCh" val="l"/>
-                <dgm:param type="parTxRTLAlign" val="l"/>
                 <dgm:param type="shpTxRTLAlignCh" val="l"/>
               </dgm:alg>
             </dgm:if>
             <dgm:else name="Name52">
               <dgm:alg type="tx">
                 <dgm:param type="parTxLTRAlign" val="r"/>
+                <dgm:param type="parTxRTLAlign" val="r"/>
                 <dgm:param type="shpTxLTRAlignCh" val="r"/>
-                <dgm:param type="parTxRTLAlign" val="r"/>
                 <dgm:param type="shpTxRTLAlignCh" val="r"/>
               </dgm:alg>
             </dgm:else>
@@ -3433,16 +3428,16 @@
             <dgm:if name="Name56" func="var" arg="dir" op="equ" val="norm">
               <dgm:alg type="tx">
                 <dgm:param type="parTxLTRAlign" val="l"/>
+                <dgm:param type="parTxRTLAlign" val="l"/>
                 <dgm:param type="shpTxLTRAlignCh" val="l"/>
-                <dgm:param type="parTxRTLAlign" val="l"/>
                 <dgm:param type="shpTxRTLAlignCh" val="l"/>
               </dgm:alg>
             </dgm:if>
             <dgm:else name="Name57">
               <dgm:alg type="tx">
                 <dgm:param type="parTxLTRAlign" val="r"/>
+                <dgm:param type="parTxRTLAlign" val="r"/>
                 <dgm:param type="shpTxLTRAlignCh" val="r"/>
-                <dgm:param type="parTxRTLAlign" val="r"/>
                 <dgm:param type="shpTxRTLAlignCh" val="r"/>
               </dgm:alg>
             </dgm:else>
@@ -3488,12 +3483,542 @@
     <a:camera prst="orthographicFront"/>
     <a:lightRig rig="threePt" dir="t"/>
   </dgm:scene3d>
+  <dgm:styleLbl name="alignAcc1">
+    <dgm:scene3d>
+      <a:camera prst="orthographicFront"/>
+      <a:lightRig rig="threePt" dir="t"/>
+    </dgm:scene3d>
+    <dgm:txPr/>
+    <dgm:style>
+      <a:lnRef idx="2">
+        <a:scrgbClr r="0" g="0" b="0"/>
+      </a:lnRef>
+      <a:fillRef idx="1">
+        <a:scrgbClr r="0" g="0" b="0"/>
+      </a:fillRef>
+      <a:effectRef idx="0">
+        <a:scrgbClr r="0" g="0" b="0"/>
+      </a:effectRef>
+      <a:fontRef idx="minor"/>
+    </dgm:style>
+  </dgm:styleLbl>
+  <dgm:styleLbl name="alignAccFollowNode1">
+    <dgm:scene3d>
+      <a:camera prst="orthographicFront"/>
+      <a:lightRig rig="threePt" dir="t"/>
+    </dgm:scene3d>
+    <dgm:txPr/>
+    <dgm:style>
+      <a:lnRef idx="2">
+        <a:scrgbClr r="0" g="0" b="0"/>
+      </a:lnRef>
+      <a:fillRef idx="1">
+        <a:scrgbClr r="0" g="0" b="0"/>
+      </a:fillRef>
+      <a:effectRef idx="0">
+        <a:scrgbClr r="0" g="0" b="0"/>
+      </a:effectRef>
+      <a:fontRef idx="minor"/>
+    </dgm:style>
+  </dgm:styleLbl>
+  <dgm:styleLbl name="alignImgPlace1">
+    <dgm:scene3d>
+      <a:camera prst="orthographicFront"/>
+      <a:lightRig rig="threePt" dir="t"/>
+    </dgm:scene3d>
+    <dgm:txPr/>
+    <dgm:style>
+      <a:lnRef idx="2">
+        <a:scrgbClr r="0" g="0" b="0"/>
+      </a:lnRef>
+      <a:fillRef idx="1">
+        <a:scrgbClr r="0" g="0" b="0"/>
+      </a:fillRef>
+      <a:effectRef idx="0">
+        <a:scrgbClr r="0" g="0" b="0"/>
+      </a:effectRef>
+      <a:fontRef idx="minor"/>
+    </dgm:style>
+  </dgm:styleLbl>
+  <dgm:styleLbl name="alignNode1">
+    <dgm:scene3d>
+      <a:camera prst="orthographicFront"/>
+      <a:lightRig rig="threePt" dir="t"/>
+    </dgm:scene3d>
+    <dgm:txPr/>
+    <dgm:style>
+      <a:lnRef idx="2">
+        <a:scrgbClr r="0" g="0" b="0"/>
+      </a:lnRef>
+      <a:fillRef idx="1">
+        <a:scrgbClr r="0" g="0" b="0"/>
+      </a:fillRef>
+      <a:effectRef idx="0">
+        <a:scrgbClr r="0" g="0" b="0"/>
+      </a:effectRef>
+      <a:fontRef idx="minor">
+        <a:schemeClr val="lt1"/>
+      </a:fontRef>
+    </dgm:style>
+  </dgm:styleLbl>
+  <dgm:styleLbl name="asst0">
+    <dgm:scene3d>
+      <a:camera prst="orthographicFront"/>
+      <a:lightRig rig="threePt" dir="t"/>
+    </dgm:scene3d>
+    <dgm:txPr/>
+    <dgm:style>
+      <a:lnRef idx="2">
+        <a:scrgbClr r="0" g="0" b="0"/>
+      </a:lnRef>
+      <a:fillRef idx="1">
+        <a:scrgbClr r="0" g="0" b="0"/>
+      </a:fillRef>
+      <a:effectRef idx="0">
+        <a:scrgbClr r="0" g="0" b="0"/>
+      </a:effectRef>
+      <a:fontRef idx="minor">
+        <a:schemeClr val="lt1"/>
+      </a:fontRef>
+    </dgm:style>
+  </dgm:styleLbl>
+  <dgm:styleLbl name="asst1">
+    <dgm:scene3d>
+      <a:camera prst="orthographicFront"/>
+      <a:lightRig rig="threePt" dir="t"/>
+    </dgm:scene3d>
+    <dgm:txPr/>
+    <dgm:style>
+      <a:lnRef idx="2">
+        <a:scrgbClr r="0" g="0" b="0"/>
+      </a:lnRef>
+      <a:fillRef idx="1">
+        <a:scrgbClr r="0" g="0" b="0"/>
+      </a:fillRef>
+      <a:effectRef idx="0">
+        <a:scrgbClr r="0" g="0" b="0"/>
+      </a:effectRef>
+      <a:fontRef idx="minor">
+        <a:schemeClr val="lt1"/>
+      </a:fontRef>
+    </dgm:style>
+  </dgm:styleLbl>
+  <dgm:styleLbl name="asst2">
+    <dgm:scene3d>
+      <a:camera prst="orthographicFront"/>
+      <a:lightRig rig="threePt" dir="t"/>
+    </dgm:scene3d>
+    <dgm:txPr/>
+    <dgm:style>
+      <a:lnRef idx="2">
+        <a:scrgbClr r="0" g="0" b="0"/>
+      </a:lnRef>
+      <a:fillRef idx="1">
+        <a:scrgbClr r="0" g="0" b="0"/>
+      </a:fillRef>
+      <a:effectRef idx="0">
+        <a:scrgbClr r="0" g="0" b="0"/>
+      </a:effectRef>
+      <a:fontRef idx="minor">
+        <a:schemeClr val="lt1"/>
+      </a:fontRef>
+    </dgm:style>
+  </dgm:styleLbl>
+  <dgm:styleLbl name="asst3">
+    <dgm:scene3d>
+      <a:camera prst="orthographicFront"/>
+      <a:lightRig rig="threePt" dir="t"/>
+    </dgm:scene3d>
+    <dgm:txPr/>
+    <dgm:style>
+      <a:lnRef idx="2">
+        <a:scrgbClr r="0" g="0" b="0"/>
+      </a:lnRef>
+      <a:fillRef idx="1">
+        <a:scrgbClr r="0" g="0" b="0"/>
+      </a:fillRef>
+      <a:effectRef idx="0">
+        <a:scrgbClr r="0" g="0" b="0"/>
+      </a:effectRef>
+      <a:fontRef idx="minor">
+        <a:schemeClr val="lt1"/>
+      </a:fontRef>
+    </dgm:style>
+  </dgm:styleLbl>
+  <dgm:styleLbl name="asst4">
+    <dgm:scene3d>
+      <a:camera prst="orthographicFront"/>
+      <a:lightRig rig="threePt" dir="t"/>
+    </dgm:scene3d>
+    <dgm:txPr/>
+    <dgm:style>
+      <a:lnRef idx="2">
+        <a:scrgbClr r="0" g="0" b="0"/>
+      </a:lnRef>
+      <a:fillRef idx="1">
+        <a:scrgbClr r="0" g="0" b="0"/>
+      </a:fillRef>
+      <a:effectRef idx="0">
+        <a:scrgbClr r="0" g="0" b="0"/>
+      </a:effectRef>
+      <a:fontRef idx="minor">
+        <a:schemeClr val="lt1"/>
+      </a:fontRef>
+    </dgm:style>
+  </dgm:styleLbl>
+  <dgm:styleLbl name="bgAcc1">
+    <dgm:scene3d>
+      <a:camera prst="orthographicFront"/>
+      <a:lightRig rig="threePt" dir="t"/>
+    </dgm:scene3d>
+    <dgm:txPr/>
+    <dgm:style>
+      <a:lnRef idx="2">
+        <a:scrgbClr r="0" g="0" b="0"/>
+      </a:lnRef>
+      <a:fillRef idx="1">
+        <a:scrgbClr r="0" g="0" b="0"/>
+      </a:fillRef>
+      <a:effectRef idx="0">
+        <a:scrgbClr r="0" g="0" b="0"/>
+      </a:effectRef>
+      <a:fontRef idx="minor"/>
+    </dgm:style>
+  </dgm:styleLbl>
+  <dgm:styleLbl name="bgAccFollowNode1">
+    <dgm:scene3d>
+      <a:camera prst="orthographicFront"/>
+      <a:lightRig rig="threePt" dir="t"/>
+    </dgm:scene3d>
+    <dgm:txPr/>
+    <dgm:style>
+      <a:lnRef idx="2">
+        <a:scrgbClr r="0" g="0" b="0"/>
+      </a:lnRef>
+      <a:fillRef idx="1">
+        <a:scrgbClr r="0" g="0" b="0"/>
+      </a:fillRef>
+      <a:effectRef idx="0">
+        <a:scrgbClr r="0" g="0" b="0"/>
+      </a:effectRef>
+      <a:fontRef idx="minor"/>
+    </dgm:style>
+  </dgm:styleLbl>
+  <dgm:styleLbl name="bgImgPlace1">
+    <dgm:scene3d>
+      <a:camera prst="orthographicFront"/>
+      <a:lightRig rig="threePt" dir="t"/>
+    </dgm:scene3d>
+    <dgm:txPr/>
+    <dgm:style>
+      <a:lnRef idx="2">
+        <a:scrgbClr r="0" g="0" b="0"/>
+      </a:lnRef>
+      <a:fillRef idx="1">
+        <a:scrgbClr r="0" g="0" b="0"/>
+      </a:fillRef>
+      <a:effectRef idx="0">
+        <a:scrgbClr r="0" g="0" b="0"/>
+      </a:effectRef>
+      <a:fontRef idx="minor"/>
+    </dgm:style>
+  </dgm:styleLbl>
+  <dgm:styleLbl name="bgShp">
+    <dgm:scene3d>
+      <a:camera prst="orthographicFront"/>
+      <a:lightRig rig="threePt" dir="t"/>
+    </dgm:scene3d>
+    <dgm:txPr/>
+    <dgm:style>
+      <a:lnRef idx="0">
+        <a:scrgbClr r="0" g="0" b="0"/>
+      </a:lnRef>
+      <a:fillRef idx="1">
+        <a:scrgbClr r="0" g="0" b="0"/>
+      </a:fillRef>
+      <a:effectRef idx="0">
+        <a:scrgbClr r="0" g="0" b="0"/>
+      </a:effectRef>
+      <a:fontRef idx="minor"/>
+    </dgm:style>
+  </dgm:styleLbl>
+  <dgm:styleLbl name="bgSibTrans2D1">
+    <dgm:scene3d>
+      <a:camera prst="orthographicFront"/>
+      <a:lightRig rig="threePt" dir="t"/>
+    </dgm:scene3d>
+    <dgm:txPr/>
+    <dgm:style>
+      <a:lnRef idx="0">
+        <a:scrgbClr r="0" g="0" b="0"/>
+      </a:lnRef>
+      <a:fillRef idx="1">
+        <a:scrgbClr r="0" g="0" b="0"/>
+      </a:fillRef>
+      <a:effectRef idx="0">
+        <a:scrgbClr r="0" g="0" b="0"/>
+      </a:effectRef>
+      <a:fontRef idx="minor">
+        <a:schemeClr val="lt1"/>
+      </a:fontRef>
+    </dgm:style>
+  </dgm:styleLbl>
+  <dgm:styleLbl name="callout">
+    <dgm:scene3d>
+      <a:camera prst="orthographicFront"/>
+      <a:lightRig rig="threePt" dir="t"/>
+    </dgm:scene3d>
+    <dgm:txPr/>
+    <dgm:style>
+      <a:lnRef idx="2">
+        <a:scrgbClr r="0" g="0" b="0"/>
+      </a:lnRef>
+      <a:fillRef idx="1">
+        <a:scrgbClr r="0" g="0" b="0"/>
+      </a:fillRef>
+      <a:effectRef idx="0">
+        <a:scrgbClr r="0" g="0" b="0"/>
+      </a:effectRef>
+      <a:fontRef idx="minor"/>
+    </dgm:style>
+  </dgm:styleLbl>
+  <dgm:styleLbl name="conFgAcc1">
+    <dgm:scene3d>
+      <a:camera prst="orthographicFront"/>
+      <a:lightRig rig="threePt" dir="t"/>
+    </dgm:scene3d>
+    <dgm:txPr/>
+    <dgm:style>
+      <a:lnRef idx="2">
+        <a:scrgbClr r="0" g="0" b="0"/>
+      </a:lnRef>
+      <a:fillRef idx="1">
+        <a:scrgbClr r="0" g="0" b="0"/>
+      </a:fillRef>
+      <a:effectRef idx="0">
+        <a:scrgbClr r="0" g="0" b="0"/>
+      </a:effectRef>
+      <a:fontRef idx="minor"/>
+    </dgm:style>
+  </dgm:styleLbl>
+  <dgm:styleLbl name="dkBgShp">
+    <dgm:scene3d>
+      <a:camera prst="orthographicFront"/>
+      <a:lightRig rig="threePt" dir="t"/>
+    </dgm:scene3d>
+    <dgm:txPr/>
+    <dgm:style>
+      <a:lnRef idx="0">
+        <a:scrgbClr r="0" g="0" b="0"/>
+      </a:lnRef>
+      <a:fillRef idx="1">
+        <a:scrgbClr r="0" g="0" b="0"/>
+      </a:fillRef>
+      <a:effectRef idx="0">
+        <a:scrgbClr r="0" g="0" b="0"/>
+      </a:effectRef>
+      <a:fontRef idx="minor"/>
+    </dgm:style>
+  </dgm:styleLbl>
+  <dgm:styleLbl name="fgAcc0">
+    <dgm:scene3d>
+      <a:camera prst="orthographicFront"/>
+      <a:lightRig rig="threePt" dir="t"/>
+    </dgm:scene3d>
+    <dgm:txPr/>
+    <dgm:style>
+      <a:lnRef idx="2">
+        <a:scrgbClr r="0" g="0" b="0"/>
+      </a:lnRef>
+      <a:fillRef idx="1">
+        <a:scrgbClr r="0" g="0" b="0"/>
+      </a:fillRef>
+      <a:effectRef idx="0">
+        <a:scrgbClr r="0" g="0" b="0"/>
+      </a:effectRef>
+      <a:fontRef idx="minor"/>
+    </dgm:style>
+  </dgm:styleLbl>
+  <dgm:styleLbl name="fgAcc1">
+    <dgm:scene3d>
+      <a:camera prst="orthographicFront"/>
+      <a:lightRig rig="threePt" dir="t"/>
+    </dgm:scene3d>
+    <dgm:txPr/>
+    <dgm:style>
+      <a:lnRef idx="2">
+        <a:scrgbClr r="0" g="0" b="0"/>
+      </a:lnRef>
+      <a:fillRef idx="1">
+        <a:scrgbClr r="0" g="0" b="0"/>
+      </a:fillRef>
+      <a:effectRef idx="0">
+        <a:scrgbClr r="0" g="0" b="0"/>
+      </a:effectRef>
+      <a:fontRef idx="minor"/>
+    </dgm:style>
+  </dgm:styleLbl>
+  <dgm:styleLbl name="fgAcc2">
+    <dgm:scene3d>
+      <a:camera prst="orthographicFront"/>
+      <a:lightRig rig="threePt" dir="t"/>
+    </dgm:scene3d>
+    <dgm:txPr/>
+    <dgm:style>
+      <a:lnRef idx="2">
+        <a:scrgbClr r="0" g="0" b="0"/>
+      </a:lnRef>
+      <a:fillRef idx="1">
+        <a:scrgbClr r="0" g="0" b="0"/>
+      </a:fillRef>
+      <a:effectRef idx="0">
+        <a:scrgbClr r="0" g="0" b="0"/>
+      </a:effectRef>
+      <a:fontRef idx="minor"/>
+    </dgm:style>
+  </dgm:styleLbl>
+  <dgm:styleLbl name="fgAcc3">
+    <dgm:scene3d>
+      <a:camera prst="orthographicFront"/>
+      <a:lightRig rig="threePt" dir="t"/>
+    </dgm:scene3d>
+    <dgm:txPr/>
+    <dgm:style>
+      <a:lnRef idx="2">
+        <a:scrgbClr r="0" g="0" b="0"/>
+      </a:lnRef>
+      <a:fillRef idx="1">
+        <a:scrgbClr r="0" g="0" b="0"/>
+      </a:fillRef>
+      <a:effectRef idx="0">
+        <a:scrgbClr r="0" g="0" b="0"/>
+      </a:effectRef>
+      <a:fontRef idx="minor"/>
+    </dgm:style>
+  </dgm:styleLbl>
+  <dgm:styleLbl name="fgAcc4">
+    <dgm:scene3d>
+      <a:camera prst="orthographicFront"/>
+      <a:lightRig rig="threePt" dir="t"/>
+    </dgm:scene3d>
+    <dgm:txPr/>
+    <dgm:style>
+      <a:lnRef idx="2">
+        <a:scrgbClr r="0" g="0" b="0"/>
+      </a:lnRef>
+      <a:fillRef idx="1">
+        <a:scrgbClr r="0" g="0" b="0"/>
+      </a:fillRef>
+      <a:effectRef idx="0">
+        <a:scrgbClr r="0" g="0" b="0"/>
+      </a:effectRef>
+      <a:fontRef idx="minor"/>
+    </dgm:style>
+  </dgm:styleLbl>
+  <dgm:styleLbl name="fgAccFollowNode1">
+    <dgm:scene3d>
+      <a:camera prst="orthographicFront"/>
+      <a:lightRig rig="threePt" dir="t"/>
+    </dgm:scene3d>
+    <dgm:txPr/>
+    <dgm:style>
+      <a:lnRef idx="2">
+        <a:scrgbClr r="0" g="0" b="0"/>
+      </a:lnRef>
+      <a:fillRef idx="1">
+        <a:scrgbClr r="0" g="0" b="0"/>
+      </a:fillRef>
+      <a:effectRef idx="0">
+        <a:scrgbClr r="0" g="0" b="0"/>
+      </a:effectRef>
+      <a:fontRef idx="minor"/>
+    </dgm:style>
+  </dgm:styleLbl>
+  <dgm:styleLbl name="fgImgPlace1">
+    <dgm:scene3d>
+      <a:camera prst="orthographicFront"/>
+      <a:lightRig rig="threePt" dir="t"/>
+    </dgm:scene3d>
+    <dgm:txPr/>
+    <dgm:style>
+      <a:lnRef idx="2">
+        <a:scrgbClr r="0" g="0" b="0"/>
+      </a:lnRef>
+      <a:fillRef idx="1">
+        <a:scrgbClr r="0" g="0" b="0"/>
+      </a:fillRef>
+      <a:effectRef idx="0">
+        <a:scrgbClr r="0" g="0" b="0"/>
+      </a:effectRef>
+      <a:fontRef idx="minor"/>
+    </dgm:style>
+  </dgm:styleLbl>
+  <dgm:styleLbl name="fgShp">
+    <dgm:scene3d>
+      <a:camera prst="orthographicFront"/>
+      <a:lightRig rig="threePt" dir="t"/>
+    </dgm:scene3d>
+    <dgm:txPr/>
+    <dgm:style>
+      <a:lnRef idx="2">
+        <a:scrgbClr r="0" g="0" b="0"/>
+      </a:lnRef>
+      <a:fillRef idx="1">
+        <a:scrgbClr r="0" g="0" b="0"/>
+      </a:fillRef>
+      <a:effectRef idx="0">
+        <a:scrgbClr r="0" g="0" b="0"/>
+      </a:effectRef>
+      <a:fontRef idx="minor"/>
+    </dgm:style>
+  </dgm:styleLbl>
+  <dgm:styleLbl name="fgSibTrans2D1">
+    <dgm:scene3d>
+      <a:camera prst="orthographicFront"/>
+      <a:lightRig rig="threePt" dir="t"/>
+    </dgm:scene3d>
+    <dgm:txPr/>
+    <dgm:style>
+      <a:lnRef idx="0">
+        <a:scrgbClr r="0" g="0" b="0"/>
+      </a:lnRef>
+      <a:fillRef idx="1">
+        <a:scrgbClr r="0" g="0" b="0"/>
+      </a:fillRef>
+      <a:effectRef idx="0">
+        <a:scrgbClr r="0" g="0" b="0"/>
+      </a:effectRef>
+      <a:fontRef idx="minor">
+        <a:schemeClr val="lt1"/>
+      </a:fontRef>
+    </dgm:style>
+  </dgm:styleLbl>
+  <dgm:styleLbl name="lnNode1">
+    <dgm:scene3d>
+      <a:camera prst="orthographicFront"/>
+      <a:lightRig rig="threePt" dir="t"/>
+    </dgm:scene3d>
+    <dgm:txPr/>
+    <dgm:style>
+      <a:lnRef idx="2">
+        <a:scrgbClr r="0" g="0" b="0"/>
+      </a:lnRef>
+      <a:fillRef idx="1">
+        <a:scrgbClr r="0" g="0" b="0"/>
+      </a:fillRef>
+      <a:effectRef idx="0">
+        <a:scrgbClr r="0" g="0" b="0"/>
+      </a:effectRef>
+      <a:fontRef idx="minor">
+        <a:schemeClr val="lt1"/>
+      </a:fontRef>
+    </dgm:style>
+  </dgm:styleLbl>
   <dgm:styleLbl name="node0">
     <dgm:scene3d>
       <a:camera prst="orthographicFront"/>
       <a:lightRig rig="threePt" dir="t"/>
     </dgm:scene3d>
-    <dgm:sp3d/>
     <dgm:txPr/>
     <dgm:style>
       <a:lnRef idx="2">
@@ -3510,12 +4035,11 @@
       </a:fontRef>
     </dgm:style>
   </dgm:styleLbl>
-  <dgm:styleLbl name="lnNode1">
+  <dgm:styleLbl name="node1">
     <dgm:scene3d>
       <a:camera prst="orthographicFront"/>
       <a:lightRig rig="threePt" dir="t"/>
     </dgm:scene3d>
-    <dgm:sp3d/>
     <dgm:txPr/>
     <dgm:style>
       <a:lnRef idx="2">
@@ -3532,12 +4056,388 @@
       </a:fontRef>
     </dgm:style>
   </dgm:styleLbl>
+  <dgm:styleLbl name="node2">
+    <dgm:scene3d>
+      <a:camera prst="orthographicFront"/>
+      <a:lightRig rig="threePt" dir="t"/>
+    </dgm:scene3d>
+    <dgm:txPr/>
+    <dgm:style>
+      <a:lnRef idx="2">
+        <a:scrgbClr r="0" g="0" b="0"/>
+      </a:lnRef>
+      <a:fillRef idx="1">
+        <a:scrgbClr r="0" g="0" b="0"/>
+      </a:fillRef>
+      <a:effectRef idx="0">
+        <a:scrgbClr r="0" g="0" b="0"/>
+      </a:effectRef>
+      <a:fontRef idx="minor">
+        <a:schemeClr val="lt1"/>
+      </a:fontRef>
+    </dgm:style>
+  </dgm:styleLbl>
+  <dgm:styleLbl name="node3">
+    <dgm:scene3d>
+      <a:camera prst="orthographicFront"/>
+      <a:lightRig rig="threePt" dir="t"/>
+    </dgm:scene3d>
+    <dgm:txPr/>
+    <dgm:style>
+      <a:lnRef idx="2">
+        <a:scrgbClr r="0" g="0" b="0"/>
+      </a:lnRef>
+      <a:fillRef idx="1">
+        <a:scrgbClr r="0" g="0" b="0"/>
+      </a:fillRef>
+      <a:effectRef idx="0">
+        <a:scrgbClr r="0" g="0" b="0"/>
+      </a:effectRef>
+      <a:fontRef idx="minor">
+        <a:schemeClr val="lt1"/>
+      </a:fontRef>
+    </dgm:style>
+  </dgm:styleLbl>
+  <dgm:styleLbl name="node4">
+    <dgm:scene3d>
+      <a:camera prst="orthographicFront"/>
+      <a:lightRig rig="threePt" dir="t"/>
+    </dgm:scene3d>
+    <dgm:txPr/>
+    <dgm:style>
+      <a:lnRef idx="2">
+        <a:scrgbClr r="0" g="0" b="0"/>
+      </a:lnRef>
+      <a:fillRef idx="1">
+        <a:scrgbClr r="0" g="0" b="0"/>
+      </a:fillRef>
+      <a:effectRef idx="0">
+        <a:scrgbClr r="0" g="0" b="0"/>
+      </a:effectRef>
+      <a:fontRef idx="minor">
+        <a:schemeClr val="lt1"/>
+      </a:fontRef>
+    </dgm:style>
+  </dgm:styleLbl>
+  <dgm:styleLbl name="parChTrans1D1">
+    <dgm:scene3d>
+      <a:camera prst="orthographicFront"/>
+      <a:lightRig rig="threePt" dir="t"/>
+    </dgm:scene3d>
+    <dgm:txPr/>
+    <dgm:style>
+      <a:lnRef idx="2">
+        <a:scrgbClr r="0" g="0" b="0"/>
+      </a:lnRef>
+      <a:fillRef idx="0">
+        <a:scrgbClr r="0" g="0" b="0"/>
+      </a:fillRef>
+      <a:effectRef idx="0">
+        <a:scrgbClr r="0" g="0" b="0"/>
+      </a:effectRef>
+      <a:fontRef idx="minor"/>
+    </dgm:style>
+  </dgm:styleLbl>
+  <dgm:styleLbl name="parChTrans1D2">
+    <dgm:scene3d>
+      <a:camera prst="orthographicFront"/>
+      <a:lightRig rig="threePt" dir="t"/>
+    </dgm:scene3d>
+    <dgm:txPr/>
+    <dgm:style>
+      <a:lnRef idx="2">
+        <a:scrgbClr r="0" g="0" b="0"/>
+      </a:lnRef>
+      <a:fillRef idx="0">
+        <a:scrgbClr r="0" g="0" b="0"/>
+      </a:fillRef>
+      <a:effectRef idx="0">
+        <a:scrgbClr r="0" g="0" b="0"/>
+      </a:effectRef>
+      <a:fontRef idx="minor"/>
+    </dgm:style>
+  </dgm:styleLbl>
+  <dgm:styleLbl name="parChTrans1D3">
+    <dgm:scene3d>
+      <a:camera prst="orthographicFront"/>
+      <a:lightRig rig="threePt" dir="t"/>
+    </dgm:scene3d>
+    <dgm:txPr/>
+    <dgm:style>
+      <a:lnRef idx="2">
+        <a:scrgbClr r="0" g="0" b="0"/>
+      </a:lnRef>
+      <a:fillRef idx="0">
+        <a:scrgbClr r="0" g="0" b="0"/>
+      </a:fillRef>
+      <a:effectRef idx="0">
+        <a:scrgbClr r="0" g="0" b="0"/>
+      </a:effectRef>
+      <a:fontRef idx="minor"/>
+    </dgm:style>
+  </dgm:styleLbl>
+  <dgm:styleLbl name="parChTrans1D4">
+    <dgm:scene3d>
+      <a:camera prst="orthographicFront"/>
+      <a:lightRig rig="threePt" dir="t"/>
+    </dgm:scene3d>
+    <dgm:txPr/>
+    <dgm:style>
+      <a:lnRef idx="2">
+        <a:scrgbClr r="0" g="0" b="0"/>
+      </a:lnRef>
+      <a:fillRef idx="0">
+        <a:scrgbClr r="0" g="0" b="0"/>
+      </a:fillRef>
+      <a:effectRef idx="0">
+        <a:scrgbClr r="0" g="0" b="0"/>
+      </a:effectRef>
+      <a:fontRef idx="minor"/>
+    </dgm:style>
+  </dgm:styleLbl>
+  <dgm:styleLbl name="parChTrans2D1">
+    <dgm:scene3d>
+      <a:camera prst="orthographicFront"/>
+      <a:lightRig rig="threePt" dir="t"/>
+    </dgm:scene3d>
+    <dgm:txPr/>
+    <dgm:style>
+      <a:lnRef idx="2">
+        <a:scrgbClr r="0" g="0" b="0"/>
+      </a:lnRef>
+      <a:fillRef idx="1">
+        <a:scrgbClr r="0" g="0" b="0"/>
+      </a:fillRef>
+      <a:effectRef idx="0">
+        <a:scrgbClr r="0" g="0" b="0"/>
+      </a:effectRef>
+      <a:fontRef idx="minor">
+        <a:schemeClr val="lt1"/>
+      </a:fontRef>
+    </dgm:style>
+  </dgm:styleLbl>
+  <dgm:styleLbl name="parChTrans2D2">
+    <dgm:scene3d>
+      <a:camera prst="orthographicFront"/>
+      <a:lightRig rig="threePt" dir="t"/>
+    </dgm:scene3d>
+    <dgm:txPr/>
+    <dgm:style>
+      <a:lnRef idx="2">
+        <a:scrgbClr r="0" g="0" b="0"/>
+      </a:lnRef>
+      <a:fillRef idx="1">
+        <a:scrgbClr r="0" g="0" b="0"/>
+      </a:fillRef>
+      <a:effectRef idx="0">
+        <a:scrgbClr r="0" g="0" b="0"/>
+      </a:effectRef>
+      <a:fontRef idx="minor">
+        <a:schemeClr val="lt1"/>
+      </a:fontRef>
+    </dgm:style>
+  </dgm:styleLbl>
+  <dgm:styleLbl name="parChTrans2D3">
+    <dgm:scene3d>
+      <a:camera prst="orthographicFront"/>
+      <a:lightRig rig="threePt" dir="t"/>
+    </dgm:scene3d>
+    <dgm:txPr/>
+    <dgm:style>
+      <a:lnRef idx="2">
+        <a:scrgbClr r="0" g="0" b="0"/>
+      </a:lnRef>
+      <a:fillRef idx="1">
+        <a:scrgbClr r="0" g="0" b="0"/>
+      </a:fillRef>
+      <a:effectRef idx="0">
+        <a:scrgbClr r="0" g="0" b="0"/>
+      </a:effectRef>
+      <a:fontRef idx="minor">
+        <a:schemeClr val="lt1"/>
+      </a:fontRef>
+    </dgm:style>
+  </dgm:styleLbl>
+  <dgm:styleLbl name="parChTrans2D4">
+    <dgm:scene3d>
+      <a:camera prst="orthographicFront"/>
+      <a:lightRig rig="threePt" dir="t"/>
+    </dgm:scene3d>
+    <dgm:txPr/>
+    <dgm:style>
+      <a:lnRef idx="2">
+        <a:scrgbClr r="0" g="0" b="0"/>
+      </a:lnRef>
+      <a:fillRef idx="1">
+        <a:scrgbClr r="0" g="0" b="0"/>
+      </a:fillRef>
+      <a:effectRef idx="0">
+        <a:scrgbClr r="0" g="0" b="0"/>
+      </a:effectRef>
+      <a:fontRef idx="minor">
+        <a:schemeClr val="lt1"/>
+      </a:fontRef>
+    </dgm:style>
+  </dgm:styleLbl>
+  <dgm:styleLbl name="revTx">
+    <dgm:scene3d>
+      <a:camera prst="orthographicFront"/>
+      <a:lightRig rig="threePt" dir="t"/>
+    </dgm:scene3d>
+    <dgm:txPr/>
+    <dgm:style>
+      <a:lnRef idx="0">
+        <a:scrgbClr r="0" g="0" b="0"/>
+      </a:lnRef>
+      <a:fillRef idx="0">
+        <a:scrgbClr r="0" g="0" b="0"/>
+      </a:fillRef>
+      <a:effectRef idx="0">
+        <a:scrgbClr r="0" g="0" b="0"/>
+      </a:effectRef>
+      <a:fontRef idx="minor"/>
+    </dgm:style>
+  </dgm:styleLbl>
+  <dgm:styleLbl name="sibTrans1D1">
+    <dgm:scene3d>
+      <a:camera prst="orthographicFront"/>
+      <a:lightRig rig="threePt" dir="t"/>
+    </dgm:scene3d>
+    <dgm:txPr/>
+    <dgm:style>
+      <a:lnRef idx="1">
+        <a:scrgbClr r="0" g="0" b="0"/>
+      </a:lnRef>
+      <a:fillRef idx="0">
+        <a:scrgbClr r="0" g="0" b="0"/>
+      </a:fillRef>
+      <a:effectRef idx="0">
+        <a:scrgbClr r="0" g="0" b="0"/>
+      </a:effectRef>
+      <a:fontRef idx="minor"/>
+    </dgm:style>
+  </dgm:styleLbl>
+  <dgm:styleLbl name="sibTrans2D1">
+    <dgm:scene3d>
+      <a:camera prst="orthographicFront"/>
+      <a:lightRig rig="threePt" dir="t"/>
+    </dgm:scene3d>
+    <dgm:txPr/>
+    <dgm:style>
+      <a:lnRef idx="0">
+        <a:scrgbClr r="0" g="0" b="0"/>
+      </a:lnRef>
+      <a:fillRef idx="1">
+        <a:scrgbClr r="0" g="0" b="0"/>
+      </a:fillRef>
+      <a:effectRef idx="0">
+        <a:scrgbClr r="0" g="0" b="0"/>
+      </a:effectRef>
+      <a:fontRef idx="minor">
+        <a:schemeClr val="lt1"/>
+      </a:fontRef>
+    </dgm:style>
+  </dgm:styleLbl>
+  <dgm:styleLbl name="solidAlignAcc1">
+    <dgm:scene3d>
+      <a:camera prst="orthographicFront"/>
+      <a:lightRig rig="threePt" dir="t"/>
+    </dgm:scene3d>
+    <dgm:txPr/>
+    <dgm:style>
+      <a:lnRef idx="2">
+        <a:scrgbClr r="0" g="0" b="0"/>
+      </a:lnRef>
+      <a:fillRef idx="1">
+        <a:scrgbClr r="0" g="0" b="0"/>
+      </a:fillRef>
+      <a:effectRef idx="0">
+        <a:scrgbClr r="0" g="0" b="0"/>
+      </a:effectRef>
+      <a:fontRef idx="minor"/>
+    </dgm:style>
+  </dgm:styleLbl>
+  <dgm:styleLbl name="solidBgAcc1">
+    <dgm:scene3d>
+      <a:camera prst="orthographicFront"/>
+      <a:lightRig rig="threePt" dir="t"/>
+    </dgm:scene3d>
+    <dgm:txPr/>
+    <dgm:style>
+      <a:lnRef idx="2">
+        <a:scrgbClr r="0" g="0" b="0"/>
+      </a:lnRef>
+      <a:fillRef idx="1">
+        <a:scrgbClr r="0" g="0" b="0"/>
+      </a:fillRef>
+      <a:effectRef idx="0">
+        <a:scrgbClr r="0" g="0" b="0"/>
+      </a:effectRef>
+      <a:fontRef idx="minor"/>
+    </dgm:style>
+  </dgm:styleLbl>
+  <dgm:styleLbl name="solidFgAcc1">
+    <dgm:scene3d>
+      <a:camera prst="orthographicFront"/>
+      <a:lightRig rig="threePt" dir="t"/>
+    </dgm:scene3d>
+    <dgm:txPr/>
+    <dgm:style>
+      <a:lnRef idx="2">
+        <a:scrgbClr r="0" g="0" b="0"/>
+      </a:lnRef>
+      <a:fillRef idx="1">
+        <a:scrgbClr r="0" g="0" b="0"/>
+      </a:fillRef>
+      <a:effectRef idx="0">
+        <a:scrgbClr r="0" g="0" b="0"/>
+      </a:effectRef>
+      <a:fontRef idx="minor"/>
+    </dgm:style>
+  </dgm:styleLbl>
+  <dgm:styleLbl name="trAlignAcc1">
+    <dgm:scene3d>
+      <a:camera prst="orthographicFront"/>
+      <a:lightRig rig="threePt" dir="t"/>
+    </dgm:scene3d>
+    <dgm:txPr/>
+    <dgm:style>
+      <a:lnRef idx="1">
+        <a:scrgbClr r="0" g="0" b="0"/>
+      </a:lnRef>
+      <a:fillRef idx="1">
+        <a:scrgbClr r="0" g="0" b="0"/>
+      </a:fillRef>
+      <a:effectRef idx="0">
+        <a:scrgbClr r="0" g="0" b="0"/>
+      </a:effectRef>
+      <a:fontRef idx="minor"/>
+    </dgm:style>
+  </dgm:styleLbl>
+  <dgm:styleLbl name="trBgShp">
+    <dgm:scene3d>
+      <a:camera prst="orthographicFront"/>
+      <a:lightRig rig="threePt" dir="t"/>
+    </dgm:scene3d>
+    <dgm:txPr/>
+    <dgm:style>
+      <a:lnRef idx="0">
+        <a:scrgbClr r="0" g="0" b="0"/>
+      </a:lnRef>
+      <a:fillRef idx="1">
+        <a:scrgbClr r="0" g="0" b="0"/>
+      </a:fillRef>
+      <a:effectRef idx="0">
+        <a:scrgbClr r="0" g="0" b="0"/>
+      </a:effectRef>
+      <a:fontRef idx="minor"/>
+    </dgm:style>
+  </dgm:styleLbl>
   <dgm:styleLbl name="vennNode1">
     <dgm:scene3d>
       <a:camera prst="orthographicFront"/>
       <a:lightRig rig="threePt" dir="t"/>
     </dgm:scene3d>
-    <dgm:sp3d/>
     <dgm:txPr/>
     <dgm:style>
       <a:lnRef idx="2">
@@ -3552,960 +4452,6 @@
       <a:fontRef idx="minor">
         <a:schemeClr val="tx1"/>
       </a:fontRef>
-    </dgm:style>
-  </dgm:styleLbl>
-  <dgm:styleLbl name="alignNode1">
-    <dgm:scene3d>
-      <a:camera prst="orthographicFront"/>
-      <a:lightRig rig="threePt" dir="t"/>
-    </dgm:scene3d>
-    <dgm:sp3d/>
-    <dgm:txPr/>
-    <dgm:style>
-      <a:lnRef idx="2">
-        <a:scrgbClr r="0" g="0" b="0"/>
-      </a:lnRef>
-      <a:fillRef idx="1">
-        <a:scrgbClr r="0" g="0" b="0"/>
-      </a:fillRef>
-      <a:effectRef idx="0">
-        <a:scrgbClr r="0" g="0" b="0"/>
-      </a:effectRef>
-      <a:fontRef idx="minor">
-        <a:schemeClr val="lt1"/>
-      </a:fontRef>
-    </dgm:style>
-  </dgm:styleLbl>
-  <dgm:styleLbl name="node1">
-    <dgm:scene3d>
-      <a:camera prst="orthographicFront"/>
-      <a:lightRig rig="threePt" dir="t"/>
-    </dgm:scene3d>
-    <dgm:sp3d/>
-    <dgm:txPr/>
-    <dgm:style>
-      <a:lnRef idx="2">
-        <a:scrgbClr r="0" g="0" b="0"/>
-      </a:lnRef>
-      <a:fillRef idx="1">
-        <a:scrgbClr r="0" g="0" b="0"/>
-      </a:fillRef>
-      <a:effectRef idx="0">
-        <a:scrgbClr r="0" g="0" b="0"/>
-      </a:effectRef>
-      <a:fontRef idx="minor">
-        <a:schemeClr val="lt1"/>
-      </a:fontRef>
-    </dgm:style>
-  </dgm:styleLbl>
-  <dgm:styleLbl name="node2">
-    <dgm:scene3d>
-      <a:camera prst="orthographicFront"/>
-      <a:lightRig rig="threePt" dir="t"/>
-    </dgm:scene3d>
-    <dgm:sp3d/>
-    <dgm:txPr/>
-    <dgm:style>
-      <a:lnRef idx="2">
-        <a:scrgbClr r="0" g="0" b="0"/>
-      </a:lnRef>
-      <a:fillRef idx="1">
-        <a:scrgbClr r="0" g="0" b="0"/>
-      </a:fillRef>
-      <a:effectRef idx="0">
-        <a:scrgbClr r="0" g="0" b="0"/>
-      </a:effectRef>
-      <a:fontRef idx="minor">
-        <a:schemeClr val="lt1"/>
-      </a:fontRef>
-    </dgm:style>
-  </dgm:styleLbl>
-  <dgm:styleLbl name="node3">
-    <dgm:scene3d>
-      <a:camera prst="orthographicFront"/>
-      <a:lightRig rig="threePt" dir="t"/>
-    </dgm:scene3d>
-    <dgm:sp3d/>
-    <dgm:txPr/>
-    <dgm:style>
-      <a:lnRef idx="2">
-        <a:scrgbClr r="0" g="0" b="0"/>
-      </a:lnRef>
-      <a:fillRef idx="1">
-        <a:scrgbClr r="0" g="0" b="0"/>
-      </a:fillRef>
-      <a:effectRef idx="0">
-        <a:scrgbClr r="0" g="0" b="0"/>
-      </a:effectRef>
-      <a:fontRef idx="minor">
-        <a:schemeClr val="lt1"/>
-      </a:fontRef>
-    </dgm:style>
-  </dgm:styleLbl>
-  <dgm:styleLbl name="node4">
-    <dgm:scene3d>
-      <a:camera prst="orthographicFront"/>
-      <a:lightRig rig="threePt" dir="t"/>
-    </dgm:scene3d>
-    <dgm:sp3d/>
-    <dgm:txPr/>
-    <dgm:style>
-      <a:lnRef idx="2">
-        <a:scrgbClr r="0" g="0" b="0"/>
-      </a:lnRef>
-      <a:fillRef idx="1">
-        <a:scrgbClr r="0" g="0" b="0"/>
-      </a:fillRef>
-      <a:effectRef idx="0">
-        <a:scrgbClr r="0" g="0" b="0"/>
-      </a:effectRef>
-      <a:fontRef idx="minor">
-        <a:schemeClr val="lt1"/>
-      </a:fontRef>
-    </dgm:style>
-  </dgm:styleLbl>
-  <dgm:styleLbl name="fgImgPlace1">
-    <dgm:scene3d>
-      <a:camera prst="orthographicFront"/>
-      <a:lightRig rig="threePt" dir="t"/>
-    </dgm:scene3d>
-    <dgm:sp3d/>
-    <dgm:txPr/>
-    <dgm:style>
-      <a:lnRef idx="2">
-        <a:scrgbClr r="0" g="0" b="0"/>
-      </a:lnRef>
-      <a:fillRef idx="1">
-        <a:scrgbClr r="0" g="0" b="0"/>
-      </a:fillRef>
-      <a:effectRef idx="0">
-        <a:scrgbClr r="0" g="0" b="0"/>
-      </a:effectRef>
-      <a:fontRef idx="minor"/>
-    </dgm:style>
-  </dgm:styleLbl>
-  <dgm:styleLbl name="alignImgPlace1">
-    <dgm:scene3d>
-      <a:camera prst="orthographicFront"/>
-      <a:lightRig rig="threePt" dir="t"/>
-    </dgm:scene3d>
-    <dgm:sp3d/>
-    <dgm:txPr/>
-    <dgm:style>
-      <a:lnRef idx="2">
-        <a:scrgbClr r="0" g="0" b="0"/>
-      </a:lnRef>
-      <a:fillRef idx="1">
-        <a:scrgbClr r="0" g="0" b="0"/>
-      </a:fillRef>
-      <a:effectRef idx="0">
-        <a:scrgbClr r="0" g="0" b="0"/>
-      </a:effectRef>
-      <a:fontRef idx="minor"/>
-    </dgm:style>
-  </dgm:styleLbl>
-  <dgm:styleLbl name="bgImgPlace1">
-    <dgm:scene3d>
-      <a:camera prst="orthographicFront"/>
-      <a:lightRig rig="threePt" dir="t"/>
-    </dgm:scene3d>
-    <dgm:sp3d/>
-    <dgm:txPr/>
-    <dgm:style>
-      <a:lnRef idx="2">
-        <a:scrgbClr r="0" g="0" b="0"/>
-      </a:lnRef>
-      <a:fillRef idx="1">
-        <a:scrgbClr r="0" g="0" b="0"/>
-      </a:fillRef>
-      <a:effectRef idx="0">
-        <a:scrgbClr r="0" g="0" b="0"/>
-      </a:effectRef>
-      <a:fontRef idx="minor"/>
-    </dgm:style>
-  </dgm:styleLbl>
-  <dgm:styleLbl name="sibTrans2D1">
-    <dgm:scene3d>
-      <a:camera prst="orthographicFront"/>
-      <a:lightRig rig="threePt" dir="t"/>
-    </dgm:scene3d>
-    <dgm:sp3d/>
-    <dgm:txPr/>
-    <dgm:style>
-      <a:lnRef idx="0">
-        <a:scrgbClr r="0" g="0" b="0"/>
-      </a:lnRef>
-      <a:fillRef idx="1">
-        <a:scrgbClr r="0" g="0" b="0"/>
-      </a:fillRef>
-      <a:effectRef idx="0">
-        <a:scrgbClr r="0" g="0" b="0"/>
-      </a:effectRef>
-      <a:fontRef idx="minor">
-        <a:schemeClr val="lt1"/>
-      </a:fontRef>
-    </dgm:style>
-  </dgm:styleLbl>
-  <dgm:styleLbl name="fgSibTrans2D1">
-    <dgm:scene3d>
-      <a:camera prst="orthographicFront"/>
-      <a:lightRig rig="threePt" dir="t"/>
-    </dgm:scene3d>
-    <dgm:sp3d/>
-    <dgm:txPr/>
-    <dgm:style>
-      <a:lnRef idx="0">
-        <a:scrgbClr r="0" g="0" b="0"/>
-      </a:lnRef>
-      <a:fillRef idx="1">
-        <a:scrgbClr r="0" g="0" b="0"/>
-      </a:fillRef>
-      <a:effectRef idx="0">
-        <a:scrgbClr r="0" g="0" b="0"/>
-      </a:effectRef>
-      <a:fontRef idx="minor">
-        <a:schemeClr val="lt1"/>
-      </a:fontRef>
-    </dgm:style>
-  </dgm:styleLbl>
-  <dgm:styleLbl name="bgSibTrans2D1">
-    <dgm:scene3d>
-      <a:camera prst="orthographicFront"/>
-      <a:lightRig rig="threePt" dir="t"/>
-    </dgm:scene3d>
-    <dgm:sp3d/>
-    <dgm:txPr/>
-    <dgm:style>
-      <a:lnRef idx="0">
-        <a:scrgbClr r="0" g="0" b="0"/>
-      </a:lnRef>
-      <a:fillRef idx="1">
-        <a:scrgbClr r="0" g="0" b="0"/>
-      </a:fillRef>
-      <a:effectRef idx="0">
-        <a:scrgbClr r="0" g="0" b="0"/>
-      </a:effectRef>
-      <a:fontRef idx="minor">
-        <a:schemeClr val="lt1"/>
-      </a:fontRef>
-    </dgm:style>
-  </dgm:styleLbl>
-  <dgm:styleLbl name="sibTrans1D1">
-    <dgm:scene3d>
-      <a:camera prst="orthographicFront"/>
-      <a:lightRig rig="threePt" dir="t"/>
-    </dgm:scene3d>
-    <dgm:sp3d/>
-    <dgm:txPr/>
-    <dgm:style>
-      <a:lnRef idx="1">
-        <a:scrgbClr r="0" g="0" b="0"/>
-      </a:lnRef>
-      <a:fillRef idx="0">
-        <a:scrgbClr r="0" g="0" b="0"/>
-      </a:fillRef>
-      <a:effectRef idx="0">
-        <a:scrgbClr r="0" g="0" b="0"/>
-      </a:effectRef>
-      <a:fontRef idx="minor"/>
-    </dgm:style>
-  </dgm:styleLbl>
-  <dgm:styleLbl name="callout">
-    <dgm:scene3d>
-      <a:camera prst="orthographicFront"/>
-      <a:lightRig rig="threePt" dir="t"/>
-    </dgm:scene3d>
-    <dgm:sp3d/>
-    <dgm:txPr/>
-    <dgm:style>
-      <a:lnRef idx="2">
-        <a:scrgbClr r="0" g="0" b="0"/>
-      </a:lnRef>
-      <a:fillRef idx="1">
-        <a:scrgbClr r="0" g="0" b="0"/>
-      </a:fillRef>
-      <a:effectRef idx="0">
-        <a:scrgbClr r="0" g="0" b="0"/>
-      </a:effectRef>
-      <a:fontRef idx="minor"/>
-    </dgm:style>
-  </dgm:styleLbl>
-  <dgm:styleLbl name="asst0">
-    <dgm:scene3d>
-      <a:camera prst="orthographicFront"/>
-      <a:lightRig rig="threePt" dir="t"/>
-    </dgm:scene3d>
-    <dgm:sp3d/>
-    <dgm:txPr/>
-    <dgm:style>
-      <a:lnRef idx="2">
-        <a:scrgbClr r="0" g="0" b="0"/>
-      </a:lnRef>
-      <a:fillRef idx="1">
-        <a:scrgbClr r="0" g="0" b="0"/>
-      </a:fillRef>
-      <a:effectRef idx="0">
-        <a:scrgbClr r="0" g="0" b="0"/>
-      </a:effectRef>
-      <a:fontRef idx="minor">
-        <a:schemeClr val="lt1"/>
-      </a:fontRef>
-    </dgm:style>
-  </dgm:styleLbl>
-  <dgm:styleLbl name="asst1">
-    <dgm:scene3d>
-      <a:camera prst="orthographicFront"/>
-      <a:lightRig rig="threePt" dir="t"/>
-    </dgm:scene3d>
-    <dgm:sp3d/>
-    <dgm:txPr/>
-    <dgm:style>
-      <a:lnRef idx="2">
-        <a:scrgbClr r="0" g="0" b="0"/>
-      </a:lnRef>
-      <a:fillRef idx="1">
-        <a:scrgbClr r="0" g="0" b="0"/>
-      </a:fillRef>
-      <a:effectRef idx="0">
-        <a:scrgbClr r="0" g="0" b="0"/>
-      </a:effectRef>
-      <a:fontRef idx="minor">
-        <a:schemeClr val="lt1"/>
-      </a:fontRef>
-    </dgm:style>
-  </dgm:styleLbl>
-  <dgm:styleLbl name="asst2">
-    <dgm:scene3d>
-      <a:camera prst="orthographicFront"/>
-      <a:lightRig rig="threePt" dir="t"/>
-    </dgm:scene3d>
-    <dgm:sp3d/>
-    <dgm:txPr/>
-    <dgm:style>
-      <a:lnRef idx="2">
-        <a:scrgbClr r="0" g="0" b="0"/>
-      </a:lnRef>
-      <a:fillRef idx="1">
-        <a:scrgbClr r="0" g="0" b="0"/>
-      </a:fillRef>
-      <a:effectRef idx="0">
-        <a:scrgbClr r="0" g="0" b="0"/>
-      </a:effectRef>
-      <a:fontRef idx="minor">
-        <a:schemeClr val="lt1"/>
-      </a:fontRef>
-    </dgm:style>
-  </dgm:styleLbl>
-  <dgm:styleLbl name="asst3">
-    <dgm:scene3d>
-      <a:camera prst="orthographicFront"/>
-      <a:lightRig rig="threePt" dir="t"/>
-    </dgm:scene3d>
-    <dgm:sp3d/>
-    <dgm:txPr/>
-    <dgm:style>
-      <a:lnRef idx="2">
-        <a:scrgbClr r="0" g="0" b="0"/>
-      </a:lnRef>
-      <a:fillRef idx="1">
-        <a:scrgbClr r="0" g="0" b="0"/>
-      </a:fillRef>
-      <a:effectRef idx="0">
-        <a:scrgbClr r="0" g="0" b="0"/>
-      </a:effectRef>
-      <a:fontRef idx="minor">
-        <a:schemeClr val="lt1"/>
-      </a:fontRef>
-    </dgm:style>
-  </dgm:styleLbl>
-  <dgm:styleLbl name="asst4">
-    <dgm:scene3d>
-      <a:camera prst="orthographicFront"/>
-      <a:lightRig rig="threePt" dir="t"/>
-    </dgm:scene3d>
-    <dgm:sp3d/>
-    <dgm:txPr/>
-    <dgm:style>
-      <a:lnRef idx="2">
-        <a:scrgbClr r="0" g="0" b="0"/>
-      </a:lnRef>
-      <a:fillRef idx="1">
-        <a:scrgbClr r="0" g="0" b="0"/>
-      </a:fillRef>
-      <a:effectRef idx="0">
-        <a:scrgbClr r="0" g="0" b="0"/>
-      </a:effectRef>
-      <a:fontRef idx="minor">
-        <a:schemeClr val="lt1"/>
-      </a:fontRef>
-    </dgm:style>
-  </dgm:styleLbl>
-  <dgm:styleLbl name="parChTrans2D1">
-    <dgm:scene3d>
-      <a:camera prst="orthographicFront"/>
-      <a:lightRig rig="threePt" dir="t"/>
-    </dgm:scene3d>
-    <dgm:sp3d/>
-    <dgm:txPr/>
-    <dgm:style>
-      <a:lnRef idx="2">
-        <a:scrgbClr r="0" g="0" b="0"/>
-      </a:lnRef>
-      <a:fillRef idx="1">
-        <a:scrgbClr r="0" g="0" b="0"/>
-      </a:fillRef>
-      <a:effectRef idx="0">
-        <a:scrgbClr r="0" g="0" b="0"/>
-      </a:effectRef>
-      <a:fontRef idx="minor">
-        <a:schemeClr val="lt1"/>
-      </a:fontRef>
-    </dgm:style>
-  </dgm:styleLbl>
-  <dgm:styleLbl name="parChTrans2D2">
-    <dgm:scene3d>
-      <a:camera prst="orthographicFront"/>
-      <a:lightRig rig="threePt" dir="t"/>
-    </dgm:scene3d>
-    <dgm:sp3d/>
-    <dgm:txPr/>
-    <dgm:style>
-      <a:lnRef idx="2">
-        <a:scrgbClr r="0" g="0" b="0"/>
-      </a:lnRef>
-      <a:fillRef idx="1">
-        <a:scrgbClr r="0" g="0" b="0"/>
-      </a:fillRef>
-      <a:effectRef idx="0">
-        <a:scrgbClr r="0" g="0" b="0"/>
-      </a:effectRef>
-      <a:fontRef idx="minor">
-        <a:schemeClr val="lt1"/>
-      </a:fontRef>
-    </dgm:style>
-  </dgm:styleLbl>
-  <dgm:styleLbl name="parChTrans2D3">
-    <dgm:scene3d>
-      <a:camera prst="orthographicFront"/>
-      <a:lightRig rig="threePt" dir="t"/>
-    </dgm:scene3d>
-    <dgm:sp3d/>
-    <dgm:txPr/>
-    <dgm:style>
-      <a:lnRef idx="2">
-        <a:scrgbClr r="0" g="0" b="0"/>
-      </a:lnRef>
-      <a:fillRef idx="1">
-        <a:scrgbClr r="0" g="0" b="0"/>
-      </a:fillRef>
-      <a:effectRef idx="0">
-        <a:scrgbClr r="0" g="0" b="0"/>
-      </a:effectRef>
-      <a:fontRef idx="minor">
-        <a:schemeClr val="lt1"/>
-      </a:fontRef>
-    </dgm:style>
-  </dgm:styleLbl>
-  <dgm:styleLbl name="parChTrans2D4">
-    <dgm:scene3d>
-      <a:camera prst="orthographicFront"/>
-      <a:lightRig rig="threePt" dir="t"/>
-    </dgm:scene3d>
-    <dgm:sp3d/>
-    <dgm:txPr/>
-    <dgm:style>
-      <a:lnRef idx="2">
-        <a:scrgbClr r="0" g="0" b="0"/>
-      </a:lnRef>
-      <a:fillRef idx="1">
-        <a:scrgbClr r="0" g="0" b="0"/>
-      </a:fillRef>
-      <a:effectRef idx="0">
-        <a:scrgbClr r="0" g="0" b="0"/>
-      </a:effectRef>
-      <a:fontRef idx="minor">
-        <a:schemeClr val="lt1"/>
-      </a:fontRef>
-    </dgm:style>
-  </dgm:styleLbl>
-  <dgm:styleLbl name="parChTrans1D1">
-    <dgm:scene3d>
-      <a:camera prst="orthographicFront"/>
-      <a:lightRig rig="threePt" dir="t"/>
-    </dgm:scene3d>
-    <dgm:sp3d/>
-    <dgm:txPr/>
-    <dgm:style>
-      <a:lnRef idx="2">
-        <a:scrgbClr r="0" g="0" b="0"/>
-      </a:lnRef>
-      <a:fillRef idx="0">
-        <a:scrgbClr r="0" g="0" b="0"/>
-      </a:fillRef>
-      <a:effectRef idx="0">
-        <a:scrgbClr r="0" g="0" b="0"/>
-      </a:effectRef>
-      <a:fontRef idx="minor"/>
-    </dgm:style>
-  </dgm:styleLbl>
-  <dgm:styleLbl name="parChTrans1D2">
-    <dgm:scene3d>
-      <a:camera prst="orthographicFront"/>
-      <a:lightRig rig="threePt" dir="t"/>
-    </dgm:scene3d>
-    <dgm:sp3d/>
-    <dgm:txPr/>
-    <dgm:style>
-      <a:lnRef idx="2">
-        <a:scrgbClr r="0" g="0" b="0"/>
-      </a:lnRef>
-      <a:fillRef idx="0">
-        <a:scrgbClr r="0" g="0" b="0"/>
-      </a:fillRef>
-      <a:effectRef idx="0">
-        <a:scrgbClr r="0" g="0" b="0"/>
-      </a:effectRef>
-      <a:fontRef idx="minor"/>
-    </dgm:style>
-  </dgm:styleLbl>
-  <dgm:styleLbl name="parChTrans1D3">
-    <dgm:scene3d>
-      <a:camera prst="orthographicFront"/>
-      <a:lightRig rig="threePt" dir="t"/>
-    </dgm:scene3d>
-    <dgm:sp3d/>
-    <dgm:txPr/>
-    <dgm:style>
-      <a:lnRef idx="2">
-        <a:scrgbClr r="0" g="0" b="0"/>
-      </a:lnRef>
-      <a:fillRef idx="0">
-        <a:scrgbClr r="0" g="0" b="0"/>
-      </a:fillRef>
-      <a:effectRef idx="0">
-        <a:scrgbClr r="0" g="0" b="0"/>
-      </a:effectRef>
-      <a:fontRef idx="minor"/>
-    </dgm:style>
-  </dgm:styleLbl>
-  <dgm:styleLbl name="parChTrans1D4">
-    <dgm:scene3d>
-      <a:camera prst="orthographicFront"/>
-      <a:lightRig rig="threePt" dir="t"/>
-    </dgm:scene3d>
-    <dgm:sp3d/>
-    <dgm:txPr/>
-    <dgm:style>
-      <a:lnRef idx="2">
-        <a:scrgbClr r="0" g="0" b="0"/>
-      </a:lnRef>
-      <a:fillRef idx="0">
-        <a:scrgbClr r="0" g="0" b="0"/>
-      </a:fillRef>
-      <a:effectRef idx="0">
-        <a:scrgbClr r="0" g="0" b="0"/>
-      </a:effectRef>
-      <a:fontRef idx="minor"/>
-    </dgm:style>
-  </dgm:styleLbl>
-  <dgm:styleLbl name="fgAcc1">
-    <dgm:scene3d>
-      <a:camera prst="orthographicFront"/>
-      <a:lightRig rig="threePt" dir="t"/>
-    </dgm:scene3d>
-    <dgm:sp3d/>
-    <dgm:txPr/>
-    <dgm:style>
-      <a:lnRef idx="2">
-        <a:scrgbClr r="0" g="0" b="0"/>
-      </a:lnRef>
-      <a:fillRef idx="1">
-        <a:scrgbClr r="0" g="0" b="0"/>
-      </a:fillRef>
-      <a:effectRef idx="0">
-        <a:scrgbClr r="0" g="0" b="0"/>
-      </a:effectRef>
-      <a:fontRef idx="minor"/>
-    </dgm:style>
-  </dgm:styleLbl>
-  <dgm:styleLbl name="conFgAcc1">
-    <dgm:scene3d>
-      <a:camera prst="orthographicFront"/>
-      <a:lightRig rig="threePt" dir="t"/>
-    </dgm:scene3d>
-    <dgm:sp3d/>
-    <dgm:txPr/>
-    <dgm:style>
-      <a:lnRef idx="2">
-        <a:scrgbClr r="0" g="0" b="0"/>
-      </a:lnRef>
-      <a:fillRef idx="1">
-        <a:scrgbClr r="0" g="0" b="0"/>
-      </a:fillRef>
-      <a:effectRef idx="0">
-        <a:scrgbClr r="0" g="0" b="0"/>
-      </a:effectRef>
-      <a:fontRef idx="minor"/>
-    </dgm:style>
-  </dgm:styleLbl>
-  <dgm:styleLbl name="alignAcc1">
-    <dgm:scene3d>
-      <a:camera prst="orthographicFront"/>
-      <a:lightRig rig="threePt" dir="t"/>
-    </dgm:scene3d>
-    <dgm:sp3d/>
-    <dgm:txPr/>
-    <dgm:style>
-      <a:lnRef idx="2">
-        <a:scrgbClr r="0" g="0" b="0"/>
-      </a:lnRef>
-      <a:fillRef idx="1">
-        <a:scrgbClr r="0" g="0" b="0"/>
-      </a:fillRef>
-      <a:effectRef idx="0">
-        <a:scrgbClr r="0" g="0" b="0"/>
-      </a:effectRef>
-      <a:fontRef idx="minor"/>
-    </dgm:style>
-  </dgm:styleLbl>
-  <dgm:styleLbl name="trAlignAcc1">
-    <dgm:scene3d>
-      <a:camera prst="orthographicFront"/>
-      <a:lightRig rig="threePt" dir="t"/>
-    </dgm:scene3d>
-    <dgm:sp3d/>
-    <dgm:txPr/>
-    <dgm:style>
-      <a:lnRef idx="1">
-        <a:scrgbClr r="0" g="0" b="0"/>
-      </a:lnRef>
-      <a:fillRef idx="1">
-        <a:scrgbClr r="0" g="0" b="0"/>
-      </a:fillRef>
-      <a:effectRef idx="0">
-        <a:scrgbClr r="0" g="0" b="0"/>
-      </a:effectRef>
-      <a:fontRef idx="minor"/>
-    </dgm:style>
-  </dgm:styleLbl>
-  <dgm:styleLbl name="bgAcc1">
-    <dgm:scene3d>
-      <a:camera prst="orthographicFront"/>
-      <a:lightRig rig="threePt" dir="t"/>
-    </dgm:scene3d>
-    <dgm:sp3d/>
-    <dgm:txPr/>
-    <dgm:style>
-      <a:lnRef idx="2">
-        <a:scrgbClr r="0" g="0" b="0"/>
-      </a:lnRef>
-      <a:fillRef idx="1">
-        <a:scrgbClr r="0" g="0" b="0"/>
-      </a:fillRef>
-      <a:effectRef idx="0">
-        <a:scrgbClr r="0" g="0" b="0"/>
-      </a:effectRef>
-      <a:fontRef idx="minor"/>
-    </dgm:style>
-  </dgm:styleLbl>
-  <dgm:styleLbl name="solidFgAcc1">
-    <dgm:scene3d>
-      <a:camera prst="orthographicFront"/>
-      <a:lightRig rig="threePt" dir="t"/>
-    </dgm:scene3d>
-    <dgm:sp3d/>
-    <dgm:txPr/>
-    <dgm:style>
-      <a:lnRef idx="2">
-        <a:scrgbClr r="0" g="0" b="0"/>
-      </a:lnRef>
-      <a:fillRef idx="1">
-        <a:scrgbClr r="0" g="0" b="0"/>
-      </a:fillRef>
-      <a:effectRef idx="0">
-        <a:scrgbClr r="0" g="0" b="0"/>
-      </a:effectRef>
-      <a:fontRef idx="minor"/>
-    </dgm:style>
-  </dgm:styleLbl>
-  <dgm:styleLbl name="solidAlignAcc1">
-    <dgm:scene3d>
-      <a:camera prst="orthographicFront"/>
-      <a:lightRig rig="threePt" dir="t"/>
-    </dgm:scene3d>
-    <dgm:sp3d/>
-    <dgm:txPr/>
-    <dgm:style>
-      <a:lnRef idx="2">
-        <a:scrgbClr r="0" g="0" b="0"/>
-      </a:lnRef>
-      <a:fillRef idx="1">
-        <a:scrgbClr r="0" g="0" b="0"/>
-      </a:fillRef>
-      <a:effectRef idx="0">
-        <a:scrgbClr r="0" g="0" b="0"/>
-      </a:effectRef>
-      <a:fontRef idx="minor"/>
-    </dgm:style>
-  </dgm:styleLbl>
-  <dgm:styleLbl name="solidBgAcc1">
-    <dgm:scene3d>
-      <a:camera prst="orthographicFront"/>
-      <a:lightRig rig="threePt" dir="t"/>
-    </dgm:scene3d>
-    <dgm:sp3d/>
-    <dgm:txPr/>
-    <dgm:style>
-      <a:lnRef idx="2">
-        <a:scrgbClr r="0" g="0" b="0"/>
-      </a:lnRef>
-      <a:fillRef idx="1">
-        <a:scrgbClr r="0" g="0" b="0"/>
-      </a:fillRef>
-      <a:effectRef idx="0">
-        <a:scrgbClr r="0" g="0" b="0"/>
-      </a:effectRef>
-      <a:fontRef idx="minor"/>
-    </dgm:style>
-  </dgm:styleLbl>
-  <dgm:styleLbl name="fgAccFollowNode1">
-    <dgm:scene3d>
-      <a:camera prst="orthographicFront"/>
-      <a:lightRig rig="threePt" dir="t"/>
-    </dgm:scene3d>
-    <dgm:sp3d/>
-    <dgm:txPr/>
-    <dgm:style>
-      <a:lnRef idx="2">
-        <a:scrgbClr r="0" g="0" b="0"/>
-      </a:lnRef>
-      <a:fillRef idx="1">
-        <a:scrgbClr r="0" g="0" b="0"/>
-      </a:fillRef>
-      <a:effectRef idx="0">
-        <a:scrgbClr r="0" g="0" b="0"/>
-      </a:effectRef>
-      <a:fontRef idx="minor"/>
-    </dgm:style>
-  </dgm:styleLbl>
-  <dgm:styleLbl name="alignAccFollowNode1">
-    <dgm:scene3d>
-      <a:camera prst="orthographicFront"/>
-      <a:lightRig rig="threePt" dir="t"/>
-    </dgm:scene3d>
-    <dgm:sp3d/>
-    <dgm:txPr/>
-    <dgm:style>
-      <a:lnRef idx="2">
-        <a:scrgbClr r="0" g="0" b="0"/>
-      </a:lnRef>
-      <a:fillRef idx="1">
-        <a:scrgbClr r="0" g="0" b="0"/>
-      </a:fillRef>
-      <a:effectRef idx="0">
-        <a:scrgbClr r="0" g="0" b="0"/>
-      </a:effectRef>
-      <a:fontRef idx="minor"/>
-    </dgm:style>
-  </dgm:styleLbl>
-  <dgm:styleLbl name="bgAccFollowNode1">
-    <dgm:scene3d>
-      <a:camera prst="orthographicFront"/>
-      <a:lightRig rig="threePt" dir="t"/>
-    </dgm:scene3d>
-    <dgm:sp3d/>
-    <dgm:txPr/>
-    <dgm:style>
-      <a:lnRef idx="2">
-        <a:scrgbClr r="0" g="0" b="0"/>
-      </a:lnRef>
-      <a:fillRef idx="1">
-        <a:scrgbClr r="0" g="0" b="0"/>
-      </a:fillRef>
-      <a:effectRef idx="0">
-        <a:scrgbClr r="0" g="0" b="0"/>
-      </a:effectRef>
-      <a:fontRef idx="minor"/>
-    </dgm:style>
-  </dgm:styleLbl>
-  <dgm:styleLbl name="fgAcc0">
-    <dgm:scene3d>
-      <a:camera prst="orthographicFront"/>
-      <a:lightRig rig="threePt" dir="t"/>
-    </dgm:scene3d>
-    <dgm:sp3d/>
-    <dgm:txPr/>
-    <dgm:style>
-      <a:lnRef idx="2">
-        <a:scrgbClr r="0" g="0" b="0"/>
-      </a:lnRef>
-      <a:fillRef idx="1">
-        <a:scrgbClr r="0" g="0" b="0"/>
-      </a:fillRef>
-      <a:effectRef idx="0">
-        <a:scrgbClr r="0" g="0" b="0"/>
-      </a:effectRef>
-      <a:fontRef idx="minor"/>
-    </dgm:style>
-  </dgm:styleLbl>
-  <dgm:styleLbl name="fgAcc2">
-    <dgm:scene3d>
-      <a:camera prst="orthographicFront"/>
-      <a:lightRig rig="threePt" dir="t"/>
-    </dgm:scene3d>
-    <dgm:sp3d/>
-    <dgm:txPr/>
-    <dgm:style>
-      <a:lnRef idx="2">
-        <a:scrgbClr r="0" g="0" b="0"/>
-      </a:lnRef>
-      <a:fillRef idx="1">
-        <a:scrgbClr r="0" g="0" b="0"/>
-      </a:fillRef>
-      <a:effectRef idx="0">
-        <a:scrgbClr r="0" g="0" b="0"/>
-      </a:effectRef>
-      <a:fontRef idx="minor"/>
-    </dgm:style>
-  </dgm:styleLbl>
-  <dgm:styleLbl name="fgAcc3">
-    <dgm:scene3d>
-      <a:camera prst="orthographicFront"/>
-      <a:lightRig rig="threePt" dir="t"/>
-    </dgm:scene3d>
-    <dgm:sp3d/>
-    <dgm:txPr/>
-    <dgm:style>
-      <a:lnRef idx="2">
-        <a:scrgbClr r="0" g="0" b="0"/>
-      </a:lnRef>
-      <a:fillRef idx="1">
-        <a:scrgbClr r="0" g="0" b="0"/>
-      </a:fillRef>
-      <a:effectRef idx="0">
-        <a:scrgbClr r="0" g="0" b="0"/>
-      </a:effectRef>
-      <a:fontRef idx="minor"/>
-    </dgm:style>
-  </dgm:styleLbl>
-  <dgm:styleLbl name="fgAcc4">
-    <dgm:scene3d>
-      <a:camera prst="orthographicFront"/>
-      <a:lightRig rig="threePt" dir="t"/>
-    </dgm:scene3d>
-    <dgm:sp3d/>
-    <dgm:txPr/>
-    <dgm:style>
-      <a:lnRef idx="2">
-        <a:scrgbClr r="0" g="0" b="0"/>
-      </a:lnRef>
-      <a:fillRef idx="1">
-        <a:scrgbClr r="0" g="0" b="0"/>
-      </a:fillRef>
-      <a:effectRef idx="0">
-        <a:scrgbClr r="0" g="0" b="0"/>
-      </a:effectRef>
-      <a:fontRef idx="minor"/>
-    </dgm:style>
-  </dgm:styleLbl>
-  <dgm:styleLbl name="bgShp">
-    <dgm:scene3d>
-      <a:camera prst="orthographicFront"/>
-      <a:lightRig rig="threePt" dir="t"/>
-    </dgm:scene3d>
-    <dgm:sp3d/>
-    <dgm:txPr/>
-    <dgm:style>
-      <a:lnRef idx="0">
-        <a:scrgbClr r="0" g="0" b="0"/>
-      </a:lnRef>
-      <a:fillRef idx="1">
-        <a:scrgbClr r="0" g="0" b="0"/>
-      </a:fillRef>
-      <a:effectRef idx="0">
-        <a:scrgbClr r="0" g="0" b="0"/>
-      </a:effectRef>
-      <a:fontRef idx="minor"/>
-    </dgm:style>
-  </dgm:styleLbl>
-  <dgm:styleLbl name="dkBgShp">
-    <dgm:scene3d>
-      <a:camera prst="orthographicFront"/>
-      <a:lightRig rig="threePt" dir="t"/>
-    </dgm:scene3d>
-    <dgm:sp3d/>
-    <dgm:txPr/>
-    <dgm:style>
-      <a:lnRef idx="0">
-        <a:scrgbClr r="0" g="0" b="0"/>
-      </a:lnRef>
-      <a:fillRef idx="1">
-        <a:scrgbClr r="0" g="0" b="0"/>
-      </a:fillRef>
-      <a:effectRef idx="0">
-        <a:scrgbClr r="0" g="0" b="0"/>
-      </a:effectRef>
-      <a:fontRef idx="minor"/>
-    </dgm:style>
-  </dgm:styleLbl>
-  <dgm:styleLbl name="trBgShp">
-    <dgm:scene3d>
-      <a:camera prst="orthographicFront"/>
-      <a:lightRig rig="threePt" dir="t"/>
-    </dgm:scene3d>
-    <dgm:sp3d/>
-    <dgm:txPr/>
-    <dgm:style>
-      <a:lnRef idx="0">
-        <a:scrgbClr r="0" g="0" b="0"/>
-      </a:lnRef>
-      <a:fillRef idx="1">
-        <a:scrgbClr r="0" g="0" b="0"/>
-      </a:fillRef>
-      <a:effectRef idx="0">
-        <a:scrgbClr r="0" g="0" b="0"/>
-      </a:effectRef>
-      <a:fontRef idx="minor"/>
-    </dgm:style>
-  </dgm:styleLbl>
-  <dgm:styleLbl name="fgShp">
-    <dgm:scene3d>
-      <a:camera prst="orthographicFront"/>
-      <a:lightRig rig="threePt" dir="t"/>
-    </dgm:scene3d>
-    <dgm:sp3d/>
-    <dgm:txPr/>
-    <dgm:style>
-      <a:lnRef idx="2">
-        <a:scrgbClr r="0" g="0" b="0"/>
-      </a:lnRef>
-      <a:fillRef idx="1">
-        <a:scrgbClr r="0" g="0" b="0"/>
-      </a:fillRef>
-      <a:effectRef idx="0">
-        <a:scrgbClr r="0" g="0" b="0"/>
-      </a:effectRef>
-      <a:fontRef idx="minor"/>
-    </dgm:style>
-  </dgm:styleLbl>
-  <dgm:styleLbl name="revTx">
-    <dgm:scene3d>
-      <a:camera prst="orthographicFront"/>
-      <a:lightRig rig="threePt" dir="t"/>
-    </dgm:scene3d>
-    <dgm:sp3d/>
-    <dgm:txPr/>
-    <dgm:style>
-      <a:lnRef idx="0">
-        <a:scrgbClr r="0" g="0" b="0"/>
-      </a:lnRef>
-      <a:fillRef idx="0">
-        <a:scrgbClr r="0" g="0" b="0"/>
-      </a:fillRef>
-      <a:effectRef idx="0">
-        <a:scrgbClr r="0" g="0" b="0"/>
-      </a:effectRef>
-      <a:fontRef idx="minor"/>
     </dgm:style>
   </dgm:styleLbl>
 </dgm:styleDef>
@@ -4642,7 +4588,6 @@
           <a:p>
             <a:fld id="{EC3EA87A-B9C1-4857-863B-94BC5B7706FE}" type="datetimeFigureOut">
               <a:rPr lang="zh-CN" altLang="en-US" smtClean="0"/>
-              <a:t>2019/9/12</a:t>
             </a:fld>
             <a:endParaRPr lang="zh-CN" altLang="en-US"/>
           </a:p>
@@ -4684,18 +4629,12 @@
           <a:p>
             <a:fld id="{B3DF0D2C-A3AD-4632-B142-08AF0B55617B}" type="slidenum">
               <a:rPr lang="zh-CN" altLang="en-US" smtClean="0"/>
-              <a:t>‹#›</a:t>
             </a:fld>
             <a:endParaRPr lang="zh-CN" altLang="en-US"/>
           </a:p>
         </p:txBody>
       </p:sp>
     </p:spTree>
-    <p:extLst>
-      <p:ext uri="{BB962C8B-B14F-4D97-AF65-F5344CB8AC3E}">
-        <p14:creationId xmlns:p14="http://schemas.microsoft.com/office/powerpoint/2010/main" val="3629281363"/>
-      </p:ext>
-    </p:extLst>
   </p:cSld>
   <p:clrMapOvr>
     <a:masterClrMapping/>
@@ -4763,6 +4702,7 @@
               <a:rPr lang="zh-CN" altLang="en-US" smtClean="0"/>
               <a:t>单击此处编辑母版文本样式</a:t>
             </a:r>
+            <a:endParaRPr lang="zh-CN" altLang="en-US" smtClean="0"/>
           </a:p>
           <a:p>
             <a:pPr lvl="1"/>
@@ -4770,6 +4710,7 @@
               <a:rPr lang="zh-CN" altLang="en-US" smtClean="0"/>
               <a:t>第二级</a:t>
             </a:r>
+            <a:endParaRPr lang="zh-CN" altLang="en-US" smtClean="0"/>
           </a:p>
           <a:p>
             <a:pPr lvl="2"/>
@@ -4777,6 +4718,7 @@
               <a:rPr lang="zh-CN" altLang="en-US" smtClean="0"/>
               <a:t>第三级</a:t>
             </a:r>
+            <a:endParaRPr lang="zh-CN" altLang="en-US" smtClean="0"/>
           </a:p>
           <a:p>
             <a:pPr lvl="3"/>
@@ -4784,6 +4726,7 @@
               <a:rPr lang="zh-CN" altLang="en-US" smtClean="0"/>
               <a:t>第四级</a:t>
             </a:r>
+            <a:endParaRPr lang="zh-CN" altLang="en-US" smtClean="0"/>
           </a:p>
           <a:p>
             <a:pPr lvl="4"/>
@@ -4812,7 +4755,6 @@
           <a:p>
             <a:fld id="{EC3EA87A-B9C1-4857-863B-94BC5B7706FE}" type="datetimeFigureOut">
               <a:rPr lang="zh-CN" altLang="en-US" smtClean="0"/>
-              <a:t>2019/9/12</a:t>
             </a:fld>
             <a:endParaRPr lang="zh-CN" altLang="en-US"/>
           </a:p>
@@ -4854,18 +4796,12 @@
           <a:p>
             <a:fld id="{B3DF0D2C-A3AD-4632-B142-08AF0B55617B}" type="slidenum">
               <a:rPr lang="zh-CN" altLang="en-US" smtClean="0"/>
-              <a:t>‹#›</a:t>
             </a:fld>
             <a:endParaRPr lang="zh-CN" altLang="en-US"/>
           </a:p>
         </p:txBody>
       </p:sp>
     </p:spTree>
-    <p:extLst>
-      <p:ext uri="{BB962C8B-B14F-4D97-AF65-F5344CB8AC3E}">
-        <p14:creationId xmlns:p14="http://schemas.microsoft.com/office/powerpoint/2010/main" val="1265324537"/>
-      </p:ext>
-    </p:extLst>
   </p:cSld>
   <p:clrMapOvr>
     <a:masterClrMapping/>
@@ -4943,6 +4879,7 @@
               <a:rPr lang="zh-CN" altLang="en-US" smtClean="0"/>
               <a:t>单击此处编辑母版文本样式</a:t>
             </a:r>
+            <a:endParaRPr lang="zh-CN" altLang="en-US" smtClean="0"/>
           </a:p>
           <a:p>
             <a:pPr lvl="1"/>
@@ -4950,6 +4887,7 @@
               <a:rPr lang="zh-CN" altLang="en-US" smtClean="0"/>
               <a:t>第二级</a:t>
             </a:r>
+            <a:endParaRPr lang="zh-CN" altLang="en-US" smtClean="0"/>
           </a:p>
           <a:p>
             <a:pPr lvl="2"/>
@@ -4957,6 +4895,7 @@
               <a:rPr lang="zh-CN" altLang="en-US" smtClean="0"/>
               <a:t>第三级</a:t>
             </a:r>
+            <a:endParaRPr lang="zh-CN" altLang="en-US" smtClean="0"/>
           </a:p>
           <a:p>
             <a:pPr lvl="3"/>
@@ -4964,6 +4903,7 @@
               <a:rPr lang="zh-CN" altLang="en-US" smtClean="0"/>
               <a:t>第四级</a:t>
             </a:r>
+            <a:endParaRPr lang="zh-CN" altLang="en-US" smtClean="0"/>
           </a:p>
           <a:p>
             <a:pPr lvl="4"/>
@@ -4992,7 +4932,6 @@
           <a:p>
             <a:fld id="{EC3EA87A-B9C1-4857-863B-94BC5B7706FE}" type="datetimeFigureOut">
               <a:rPr lang="zh-CN" altLang="en-US" smtClean="0"/>
-              <a:t>2019/9/12</a:t>
             </a:fld>
             <a:endParaRPr lang="zh-CN" altLang="en-US"/>
           </a:p>
@@ -5034,18 +4973,12 @@
           <a:p>
             <a:fld id="{B3DF0D2C-A3AD-4632-B142-08AF0B55617B}" type="slidenum">
               <a:rPr lang="zh-CN" altLang="en-US" smtClean="0"/>
-              <a:t>‹#›</a:t>
             </a:fld>
             <a:endParaRPr lang="zh-CN" altLang="en-US"/>
           </a:p>
         </p:txBody>
       </p:sp>
     </p:spTree>
-    <p:extLst>
-      <p:ext uri="{BB962C8B-B14F-4D97-AF65-F5344CB8AC3E}">
-        <p14:creationId xmlns:p14="http://schemas.microsoft.com/office/powerpoint/2010/main" val="1598587161"/>
-      </p:ext>
-    </p:extLst>
   </p:cSld>
   <p:clrMapOvr>
     <a:masterClrMapping/>
@@ -5117,8 +5050,6 @@
                   <a:srgbClr val="000000"/>
                 </a:solidFill>
                 <a:round/>
-                <a:headEnd/>
-                <a:tailEnd/>
               </a14:hiddenLine>
             </a:ext>
           </a:extLst>
@@ -5150,13 +5081,11 @@
           </a:ln>
           <a:extLst>
             <a:ext uri="{91240B29-F687-4F45-9708-019B960494DF}">
-              <a14:hiddenLine xmlns:a14="http://schemas.microsoft.com/office/drawing/2010/main" w="25400" algn="ctr">
+              <a14:hiddenLine xmlns:a14="http://schemas.microsoft.com/office/drawing/2010/main" w="25400">
                 <a:solidFill>
                   <a:srgbClr val="000000"/>
                 </a:solidFill>
                 <a:round/>
-                <a:headEnd/>
-                <a:tailEnd/>
               </a14:hiddenLine>
             </a:ext>
           </a:extLst>
@@ -5169,8 +5098,8 @@
                 <a:solidFill>
                   <a:schemeClr val="tx1"/>
                 </a:solidFill>
-                <a:latin typeface="Arial" panose="020B0604020202020204" pitchFamily="34" charset="0"/>
-                <a:ea typeface="宋体" panose="02010600030101010101" pitchFamily="2" charset="-122"/>
+                <a:latin typeface="Arial" panose="02080604020202020204" pitchFamily="34" charset="0"/>
+                <a:ea typeface="宋体" pitchFamily="2" charset="-122"/>
               </a:defRPr>
             </a:lvl1pPr>
             <a:lvl2pPr marL="742950" indent="-285750" eaLnBrk="0" hangingPunct="0">
@@ -5178,8 +5107,8 @@
                 <a:solidFill>
                   <a:schemeClr val="tx1"/>
                 </a:solidFill>
-                <a:latin typeface="Arial" panose="020B0604020202020204" pitchFamily="34" charset="0"/>
-                <a:ea typeface="宋体" panose="02010600030101010101" pitchFamily="2" charset="-122"/>
+                <a:latin typeface="Arial" panose="02080604020202020204" pitchFamily="34" charset="0"/>
+                <a:ea typeface="宋体" pitchFamily="2" charset="-122"/>
               </a:defRPr>
             </a:lvl2pPr>
             <a:lvl3pPr marL="1143000" indent="-228600" eaLnBrk="0" hangingPunct="0">
@@ -5187,8 +5116,8 @@
                 <a:solidFill>
                   <a:schemeClr val="tx1"/>
                 </a:solidFill>
-                <a:latin typeface="Arial" panose="020B0604020202020204" pitchFamily="34" charset="0"/>
-                <a:ea typeface="宋体" panose="02010600030101010101" pitchFamily="2" charset="-122"/>
+                <a:latin typeface="Arial" panose="02080604020202020204" pitchFamily="34" charset="0"/>
+                <a:ea typeface="宋体" pitchFamily="2" charset="-122"/>
               </a:defRPr>
             </a:lvl3pPr>
             <a:lvl4pPr marL="1600200" indent="-228600" eaLnBrk="0" hangingPunct="0">
@@ -5196,8 +5125,8 @@
                 <a:solidFill>
                   <a:schemeClr val="tx1"/>
                 </a:solidFill>
-                <a:latin typeface="Arial" panose="020B0604020202020204" pitchFamily="34" charset="0"/>
-                <a:ea typeface="宋体" panose="02010600030101010101" pitchFamily="2" charset="-122"/>
+                <a:latin typeface="Arial" panose="02080604020202020204" pitchFamily="34" charset="0"/>
+                <a:ea typeface="宋体" pitchFamily="2" charset="-122"/>
               </a:defRPr>
             </a:lvl4pPr>
             <a:lvl5pPr marL="2057400" indent="-228600" eaLnBrk="0" hangingPunct="0">
@@ -5205,8 +5134,8 @@
                 <a:solidFill>
                   <a:schemeClr val="tx1"/>
                 </a:solidFill>
-                <a:latin typeface="Arial" panose="020B0604020202020204" pitchFamily="34" charset="0"/>
-                <a:ea typeface="宋体" panose="02010600030101010101" pitchFamily="2" charset="-122"/>
+                <a:latin typeface="Arial" panose="02080604020202020204" pitchFamily="34" charset="0"/>
+                <a:ea typeface="宋体" pitchFamily="2" charset="-122"/>
               </a:defRPr>
             </a:lvl5pPr>
             <a:lvl6pPr marL="2514600" indent="-228600" eaLnBrk="0" fontAlgn="base" hangingPunct="0">
@@ -5220,8 +5149,8 @@
                 <a:solidFill>
                   <a:schemeClr val="tx1"/>
                 </a:solidFill>
-                <a:latin typeface="Arial" panose="020B0604020202020204" pitchFamily="34" charset="0"/>
-                <a:ea typeface="宋体" panose="02010600030101010101" pitchFamily="2" charset="-122"/>
+                <a:latin typeface="Arial" panose="02080604020202020204" pitchFamily="34" charset="0"/>
+                <a:ea typeface="宋体" pitchFamily="2" charset="-122"/>
               </a:defRPr>
             </a:lvl6pPr>
             <a:lvl7pPr marL="2971800" indent="-228600" eaLnBrk="0" fontAlgn="base" hangingPunct="0">
@@ -5235,8 +5164,8 @@
                 <a:solidFill>
                   <a:schemeClr val="tx1"/>
                 </a:solidFill>
-                <a:latin typeface="Arial" panose="020B0604020202020204" pitchFamily="34" charset="0"/>
-                <a:ea typeface="宋体" panose="02010600030101010101" pitchFamily="2" charset="-122"/>
+                <a:latin typeface="Arial" panose="02080604020202020204" pitchFamily="34" charset="0"/>
+                <a:ea typeface="宋体" pitchFamily="2" charset="-122"/>
               </a:defRPr>
             </a:lvl7pPr>
             <a:lvl8pPr marL="3429000" indent="-228600" eaLnBrk="0" fontAlgn="base" hangingPunct="0">
@@ -5250,8 +5179,8 @@
                 <a:solidFill>
                   <a:schemeClr val="tx1"/>
                 </a:solidFill>
-                <a:latin typeface="Arial" panose="020B0604020202020204" pitchFamily="34" charset="0"/>
-                <a:ea typeface="宋体" panose="02010600030101010101" pitchFamily="2" charset="-122"/>
+                <a:latin typeface="Arial" panose="02080604020202020204" pitchFamily="34" charset="0"/>
+                <a:ea typeface="宋体" pitchFamily="2" charset="-122"/>
               </a:defRPr>
             </a:lvl8pPr>
             <a:lvl9pPr marL="3886200" indent="-228600" eaLnBrk="0" fontAlgn="base" hangingPunct="0">
@@ -5265,8 +5194,8 @@
                 <a:solidFill>
                   <a:schemeClr val="tx1"/>
                 </a:solidFill>
-                <a:latin typeface="Arial" panose="020B0604020202020204" pitchFamily="34" charset="0"/>
-                <a:ea typeface="宋体" panose="02010600030101010101" pitchFamily="2" charset="-122"/>
+                <a:latin typeface="Arial" panose="02080604020202020204" pitchFamily="34" charset="0"/>
+                <a:ea typeface="宋体" pitchFamily="2" charset="-122"/>
               </a:defRPr>
             </a:lvl9pPr>
           </a:lstStyle>
@@ -5464,10 +5393,6 @@
             </a:pPr>
             <a:fld id="{5951B543-57A3-4DE7-941C-307CA2D3CE57}" type="datetime1">
               <a:rPr lang="zh-CN" altLang="en-US"/>
-              <a:pPr>
-                <a:defRPr/>
-              </a:pPr>
-              <a:t>2019/9/12</a:t>
             </a:fld>
             <a:endParaRPr altLang="en-US" dirty="0"/>
           </a:p>
@@ -5499,6 +5424,7 @@
               <a:rPr lang="en-US" altLang="zh-CN"/>
               <a:t>ThunderSoft Confidential</a:t>
             </a:r>
+            <a:endParaRPr lang="en-US" altLang="zh-CN"/>
           </a:p>
         </p:txBody>
       </p:sp>
@@ -5526,21 +5452,12 @@
             </a:pPr>
             <a:fld id="{5EE55056-E149-4EF9-B87C-6B71C88F0199}" type="slidenum">
               <a:rPr lang="en-US" altLang="zh-CN"/>
-              <a:pPr>
-                <a:defRPr/>
-              </a:pPr>
-              <a:t>‹#›</a:t>
             </a:fld>
             <a:endParaRPr lang="zh-CN" altLang="en-US"/>
           </a:p>
         </p:txBody>
       </p:sp>
     </p:spTree>
-    <p:extLst>
-      <p:ext uri="{BB962C8B-B14F-4D97-AF65-F5344CB8AC3E}">
-        <p14:creationId xmlns:p14="http://schemas.microsoft.com/office/powerpoint/2010/main" val="1686942994"/>
-      </p:ext>
-    </p:extLst>
   </p:cSld>
   <p:clrMapOvr>
     <a:masterClrMapping/>
@@ -5609,6 +5526,7 @@
               <a:rPr lang="zh-CN" altLang="en-US" smtClean="0"/>
               <a:t>单击此处编辑母版文本样式</a:t>
             </a:r>
+            <a:endParaRPr lang="zh-CN" altLang="en-US" smtClean="0"/>
           </a:p>
           <a:p>
             <a:pPr lvl="1"/>
@@ -5616,6 +5534,7 @@
               <a:rPr lang="zh-CN" altLang="en-US" smtClean="0"/>
               <a:t>第二级</a:t>
             </a:r>
+            <a:endParaRPr lang="zh-CN" altLang="en-US" smtClean="0"/>
           </a:p>
           <a:p>
             <a:pPr lvl="2"/>
@@ -5623,6 +5542,7 @@
               <a:rPr lang="zh-CN" altLang="en-US" smtClean="0"/>
               <a:t>第三级</a:t>
             </a:r>
+            <a:endParaRPr lang="zh-CN" altLang="en-US" smtClean="0"/>
           </a:p>
           <a:p>
             <a:pPr lvl="3"/>
@@ -5630,6 +5550,7 @@
               <a:rPr lang="zh-CN" altLang="en-US" smtClean="0"/>
               <a:t>第四级</a:t>
             </a:r>
+            <a:endParaRPr lang="zh-CN" altLang="en-US" smtClean="0"/>
           </a:p>
           <a:p>
             <a:pPr lvl="4"/>
@@ -5658,7 +5579,6 @@
           <a:p>
             <a:fld id="{EC3EA87A-B9C1-4857-863B-94BC5B7706FE}" type="datetimeFigureOut">
               <a:rPr lang="zh-CN" altLang="en-US" smtClean="0"/>
-              <a:t>2019/9/12</a:t>
             </a:fld>
             <a:endParaRPr lang="zh-CN" altLang="en-US"/>
           </a:p>
@@ -5700,18 +5620,12 @@
           <a:p>
             <a:fld id="{B3DF0D2C-A3AD-4632-B142-08AF0B55617B}" type="slidenum">
               <a:rPr lang="zh-CN" altLang="en-US" smtClean="0"/>
-              <a:t>‹#›</a:t>
             </a:fld>
             <a:endParaRPr lang="zh-CN" altLang="en-US"/>
           </a:p>
         </p:txBody>
       </p:sp>
     </p:spTree>
-    <p:extLst>
-      <p:ext uri="{BB962C8B-B14F-4D97-AF65-F5344CB8AC3E}">
-        <p14:creationId xmlns:p14="http://schemas.microsoft.com/office/powerpoint/2010/main" val="2074028232"/>
-      </p:ext>
-    </p:extLst>
   </p:cSld>
   <p:clrMapOvr>
     <a:masterClrMapping/>
@@ -5884,6 +5798,7 @@
               <a:rPr lang="zh-CN" altLang="en-US" smtClean="0"/>
               <a:t>单击此处编辑母版文本样式</a:t>
             </a:r>
+            <a:endParaRPr lang="zh-CN" altLang="en-US" smtClean="0"/>
           </a:p>
         </p:txBody>
       </p:sp>
@@ -5904,7 +5819,6 @@
           <a:p>
             <a:fld id="{EC3EA87A-B9C1-4857-863B-94BC5B7706FE}" type="datetimeFigureOut">
               <a:rPr lang="zh-CN" altLang="en-US" smtClean="0"/>
-              <a:t>2019/9/12</a:t>
             </a:fld>
             <a:endParaRPr lang="zh-CN" altLang="en-US"/>
           </a:p>
@@ -5946,18 +5860,12 @@
           <a:p>
             <a:fld id="{B3DF0D2C-A3AD-4632-B142-08AF0B55617B}" type="slidenum">
               <a:rPr lang="zh-CN" altLang="en-US" smtClean="0"/>
-              <a:t>‹#›</a:t>
             </a:fld>
             <a:endParaRPr lang="zh-CN" altLang="en-US"/>
           </a:p>
         </p:txBody>
       </p:sp>
     </p:spTree>
-    <p:extLst>
-      <p:ext uri="{BB962C8B-B14F-4D97-AF65-F5344CB8AC3E}">
-        <p14:creationId xmlns:p14="http://schemas.microsoft.com/office/powerpoint/2010/main" val="1648203402"/>
-      </p:ext>
-    </p:extLst>
   </p:cSld>
   <p:clrMapOvr>
     <a:masterClrMapping/>
@@ -6030,6 +5938,7 @@
               <a:rPr lang="zh-CN" altLang="en-US" smtClean="0"/>
               <a:t>单击此处编辑母版文本样式</a:t>
             </a:r>
+            <a:endParaRPr lang="zh-CN" altLang="en-US" smtClean="0"/>
           </a:p>
           <a:p>
             <a:pPr lvl="1"/>
@@ -6037,6 +5946,7 @@
               <a:rPr lang="zh-CN" altLang="en-US" smtClean="0"/>
               <a:t>第二级</a:t>
             </a:r>
+            <a:endParaRPr lang="zh-CN" altLang="en-US" smtClean="0"/>
           </a:p>
           <a:p>
             <a:pPr lvl="2"/>
@@ -6044,6 +5954,7 @@
               <a:rPr lang="zh-CN" altLang="en-US" smtClean="0"/>
               <a:t>第三级</a:t>
             </a:r>
+            <a:endParaRPr lang="zh-CN" altLang="en-US" smtClean="0"/>
           </a:p>
           <a:p>
             <a:pPr lvl="3"/>
@@ -6051,6 +5962,7 @@
               <a:rPr lang="zh-CN" altLang="en-US" smtClean="0"/>
               <a:t>第四级</a:t>
             </a:r>
+            <a:endParaRPr lang="zh-CN" altLang="en-US" smtClean="0"/>
           </a:p>
           <a:p>
             <a:pPr lvl="4"/>
@@ -6087,6 +5999,7 @@
               <a:rPr lang="zh-CN" altLang="en-US" smtClean="0"/>
               <a:t>单击此处编辑母版文本样式</a:t>
             </a:r>
+            <a:endParaRPr lang="zh-CN" altLang="en-US" smtClean="0"/>
           </a:p>
           <a:p>
             <a:pPr lvl="1"/>
@@ -6094,6 +6007,7 @@
               <a:rPr lang="zh-CN" altLang="en-US" smtClean="0"/>
               <a:t>第二级</a:t>
             </a:r>
+            <a:endParaRPr lang="zh-CN" altLang="en-US" smtClean="0"/>
           </a:p>
           <a:p>
             <a:pPr lvl="2"/>
@@ -6101,6 +6015,7 @@
               <a:rPr lang="zh-CN" altLang="en-US" smtClean="0"/>
               <a:t>第三级</a:t>
             </a:r>
+            <a:endParaRPr lang="zh-CN" altLang="en-US" smtClean="0"/>
           </a:p>
           <a:p>
             <a:pPr lvl="3"/>
@@ -6108,6 +6023,7 @@
               <a:rPr lang="zh-CN" altLang="en-US" smtClean="0"/>
               <a:t>第四级</a:t>
             </a:r>
+            <a:endParaRPr lang="zh-CN" altLang="en-US" smtClean="0"/>
           </a:p>
           <a:p>
             <a:pPr lvl="4"/>
@@ -6136,7 +6052,6 @@
           <a:p>
             <a:fld id="{EC3EA87A-B9C1-4857-863B-94BC5B7706FE}" type="datetimeFigureOut">
               <a:rPr lang="zh-CN" altLang="en-US" smtClean="0"/>
-              <a:t>2019/9/12</a:t>
             </a:fld>
             <a:endParaRPr lang="zh-CN" altLang="en-US"/>
           </a:p>
@@ -6178,18 +6093,12 @@
           <a:p>
             <a:fld id="{B3DF0D2C-A3AD-4632-B142-08AF0B55617B}" type="slidenum">
               <a:rPr lang="zh-CN" altLang="en-US" smtClean="0"/>
-              <a:t>‹#›</a:t>
             </a:fld>
             <a:endParaRPr lang="zh-CN" altLang="en-US"/>
           </a:p>
         </p:txBody>
       </p:sp>
     </p:spTree>
-    <p:extLst>
-      <p:ext uri="{BB962C8B-B14F-4D97-AF65-F5344CB8AC3E}">
-        <p14:creationId xmlns:p14="http://schemas.microsoft.com/office/powerpoint/2010/main" val="1745251672"/>
-      </p:ext>
-    </p:extLst>
   </p:cSld>
   <p:clrMapOvr>
     <a:masterClrMapping/>
@@ -6304,6 +6213,7 @@
               <a:rPr lang="zh-CN" altLang="en-US" smtClean="0"/>
               <a:t>单击此处编辑母版文本样式</a:t>
             </a:r>
+            <a:endParaRPr lang="zh-CN" altLang="en-US" smtClean="0"/>
           </a:p>
         </p:txBody>
       </p:sp>
@@ -6332,6 +6242,7 @@
               <a:rPr lang="zh-CN" altLang="en-US" smtClean="0"/>
               <a:t>单击此处编辑母版文本样式</a:t>
             </a:r>
+            <a:endParaRPr lang="zh-CN" altLang="en-US" smtClean="0"/>
           </a:p>
           <a:p>
             <a:pPr lvl="1"/>
@@ -6339,6 +6250,7 @@
               <a:rPr lang="zh-CN" altLang="en-US" smtClean="0"/>
               <a:t>第二级</a:t>
             </a:r>
+            <a:endParaRPr lang="zh-CN" altLang="en-US" smtClean="0"/>
           </a:p>
           <a:p>
             <a:pPr lvl="2"/>
@@ -6346,6 +6258,7 @@
               <a:rPr lang="zh-CN" altLang="en-US" smtClean="0"/>
               <a:t>第三级</a:t>
             </a:r>
+            <a:endParaRPr lang="zh-CN" altLang="en-US" smtClean="0"/>
           </a:p>
           <a:p>
             <a:pPr lvl="3"/>
@@ -6353,6 +6266,7 @@
               <a:rPr lang="zh-CN" altLang="en-US" smtClean="0"/>
               <a:t>第四级</a:t>
             </a:r>
+            <a:endParaRPr lang="zh-CN" altLang="en-US" smtClean="0"/>
           </a:p>
           <a:p>
             <a:pPr lvl="4"/>
@@ -6426,6 +6340,7 @@
               <a:rPr lang="zh-CN" altLang="en-US" smtClean="0"/>
               <a:t>单击此处编辑母版文本样式</a:t>
             </a:r>
+            <a:endParaRPr lang="zh-CN" altLang="en-US" smtClean="0"/>
           </a:p>
         </p:txBody>
       </p:sp>
@@ -6454,6 +6369,7 @@
               <a:rPr lang="zh-CN" altLang="en-US" smtClean="0"/>
               <a:t>单击此处编辑母版文本样式</a:t>
             </a:r>
+            <a:endParaRPr lang="zh-CN" altLang="en-US" smtClean="0"/>
           </a:p>
           <a:p>
             <a:pPr lvl="1"/>
@@ -6461,6 +6377,7 @@
               <a:rPr lang="zh-CN" altLang="en-US" smtClean="0"/>
               <a:t>第二级</a:t>
             </a:r>
+            <a:endParaRPr lang="zh-CN" altLang="en-US" smtClean="0"/>
           </a:p>
           <a:p>
             <a:pPr lvl="2"/>
@@ -6468,6 +6385,7 @@
               <a:rPr lang="zh-CN" altLang="en-US" smtClean="0"/>
               <a:t>第三级</a:t>
             </a:r>
+            <a:endParaRPr lang="zh-CN" altLang="en-US" smtClean="0"/>
           </a:p>
           <a:p>
             <a:pPr lvl="3"/>
@@ -6475,6 +6393,7 @@
               <a:rPr lang="zh-CN" altLang="en-US" smtClean="0"/>
               <a:t>第四级</a:t>
             </a:r>
+            <a:endParaRPr lang="zh-CN" altLang="en-US" smtClean="0"/>
           </a:p>
           <a:p>
             <a:pPr lvl="4"/>
@@ -6503,7 +6422,6 @@
           <a:p>
             <a:fld id="{EC3EA87A-B9C1-4857-863B-94BC5B7706FE}" type="datetimeFigureOut">
               <a:rPr lang="zh-CN" altLang="en-US" smtClean="0"/>
-              <a:t>2019/9/12</a:t>
             </a:fld>
             <a:endParaRPr lang="zh-CN" altLang="en-US"/>
           </a:p>
@@ -6545,18 +6463,12 @@
           <a:p>
             <a:fld id="{B3DF0D2C-A3AD-4632-B142-08AF0B55617B}" type="slidenum">
               <a:rPr lang="zh-CN" altLang="en-US" smtClean="0"/>
-              <a:t>‹#›</a:t>
             </a:fld>
             <a:endParaRPr lang="zh-CN" altLang="en-US"/>
           </a:p>
         </p:txBody>
       </p:sp>
     </p:spTree>
-    <p:extLst>
-      <p:ext uri="{BB962C8B-B14F-4D97-AF65-F5344CB8AC3E}">
-        <p14:creationId xmlns:p14="http://schemas.microsoft.com/office/powerpoint/2010/main" val="2784576302"/>
-      </p:ext>
-    </p:extLst>
   </p:cSld>
   <p:clrMapOvr>
     <a:masterClrMapping/>
@@ -6621,7 +6533,6 @@
           <a:p>
             <a:fld id="{EC3EA87A-B9C1-4857-863B-94BC5B7706FE}" type="datetimeFigureOut">
               <a:rPr lang="zh-CN" altLang="en-US" smtClean="0"/>
-              <a:t>2019/9/12</a:t>
             </a:fld>
             <a:endParaRPr lang="zh-CN" altLang="en-US"/>
           </a:p>
@@ -6663,18 +6574,12 @@
           <a:p>
             <a:fld id="{B3DF0D2C-A3AD-4632-B142-08AF0B55617B}" type="slidenum">
               <a:rPr lang="zh-CN" altLang="en-US" smtClean="0"/>
-              <a:t>‹#›</a:t>
             </a:fld>
             <a:endParaRPr lang="zh-CN" altLang="en-US"/>
           </a:p>
         </p:txBody>
       </p:sp>
     </p:spTree>
-    <p:extLst>
-      <p:ext uri="{BB962C8B-B14F-4D97-AF65-F5344CB8AC3E}">
-        <p14:creationId xmlns:p14="http://schemas.microsoft.com/office/powerpoint/2010/main" val="3044913429"/>
-      </p:ext>
-    </p:extLst>
   </p:cSld>
   <p:clrMapOvr>
     <a:masterClrMapping/>
@@ -6716,7 +6621,6 @@
           <a:p>
             <a:fld id="{EC3EA87A-B9C1-4857-863B-94BC5B7706FE}" type="datetimeFigureOut">
               <a:rPr lang="zh-CN" altLang="en-US" smtClean="0"/>
-              <a:t>2019/9/12</a:t>
             </a:fld>
             <a:endParaRPr lang="zh-CN" altLang="en-US"/>
           </a:p>
@@ -6758,18 +6662,12 @@
           <a:p>
             <a:fld id="{B3DF0D2C-A3AD-4632-B142-08AF0B55617B}" type="slidenum">
               <a:rPr lang="zh-CN" altLang="en-US" smtClean="0"/>
-              <a:t>‹#›</a:t>
             </a:fld>
             <a:endParaRPr lang="zh-CN" altLang="en-US"/>
           </a:p>
         </p:txBody>
       </p:sp>
     </p:spTree>
-    <p:extLst>
-      <p:ext uri="{BB962C8B-B14F-4D97-AF65-F5344CB8AC3E}">
-        <p14:creationId xmlns:p14="http://schemas.microsoft.com/office/powerpoint/2010/main" val="3912213900"/>
-      </p:ext>
-    </p:extLst>
   </p:cSld>
   <p:clrMapOvr>
     <a:masterClrMapping/>
@@ -6879,6 +6777,7 @@
               <a:rPr lang="zh-CN" altLang="en-US" smtClean="0"/>
               <a:t>单击此处编辑母版文本样式</a:t>
             </a:r>
+            <a:endParaRPr lang="zh-CN" altLang="en-US" smtClean="0"/>
           </a:p>
           <a:p>
             <a:pPr lvl="1"/>
@@ -6886,6 +6785,7 @@
               <a:rPr lang="zh-CN" altLang="en-US" smtClean="0"/>
               <a:t>第二级</a:t>
             </a:r>
+            <a:endParaRPr lang="zh-CN" altLang="en-US" smtClean="0"/>
           </a:p>
           <a:p>
             <a:pPr lvl="2"/>
@@ -6893,6 +6793,7 @@
               <a:rPr lang="zh-CN" altLang="en-US" smtClean="0"/>
               <a:t>第三级</a:t>
             </a:r>
+            <a:endParaRPr lang="zh-CN" altLang="en-US" smtClean="0"/>
           </a:p>
           <a:p>
             <a:pPr lvl="3"/>
@@ -6900,6 +6801,7 @@
               <a:rPr lang="zh-CN" altLang="en-US" smtClean="0"/>
               <a:t>第四级</a:t>
             </a:r>
+            <a:endParaRPr lang="zh-CN" altLang="en-US" smtClean="0"/>
           </a:p>
           <a:p>
             <a:pPr lvl="4"/>
@@ -6973,6 +6875,7 @@
               <a:rPr lang="zh-CN" altLang="en-US" smtClean="0"/>
               <a:t>单击此处编辑母版文本样式</a:t>
             </a:r>
+            <a:endParaRPr lang="zh-CN" altLang="en-US" smtClean="0"/>
           </a:p>
         </p:txBody>
       </p:sp>
@@ -6993,7 +6896,6 @@
           <a:p>
             <a:fld id="{EC3EA87A-B9C1-4857-863B-94BC5B7706FE}" type="datetimeFigureOut">
               <a:rPr lang="zh-CN" altLang="en-US" smtClean="0"/>
-              <a:t>2019/9/12</a:t>
             </a:fld>
             <a:endParaRPr lang="zh-CN" altLang="en-US"/>
           </a:p>
@@ -7035,18 +6937,12 @@
           <a:p>
             <a:fld id="{B3DF0D2C-A3AD-4632-B142-08AF0B55617B}" type="slidenum">
               <a:rPr lang="zh-CN" altLang="en-US" smtClean="0"/>
-              <a:t>‹#›</a:t>
             </a:fld>
             <a:endParaRPr lang="zh-CN" altLang="en-US"/>
           </a:p>
         </p:txBody>
       </p:sp>
     </p:spTree>
-    <p:extLst>
-      <p:ext uri="{BB962C8B-B14F-4D97-AF65-F5344CB8AC3E}">
-        <p14:creationId xmlns:p14="http://schemas.microsoft.com/office/powerpoint/2010/main" val="2185182957"/>
-      </p:ext>
-    </p:extLst>
   </p:cSld>
   <p:clrMapOvr>
     <a:masterClrMapping/>
@@ -7226,6 +7122,7 @@
               <a:rPr lang="zh-CN" altLang="en-US" smtClean="0"/>
               <a:t>单击此处编辑母版文本样式</a:t>
             </a:r>
+            <a:endParaRPr lang="zh-CN" altLang="en-US" smtClean="0"/>
           </a:p>
         </p:txBody>
       </p:sp>
@@ -7246,7 +7143,6 @@
           <a:p>
             <a:fld id="{EC3EA87A-B9C1-4857-863B-94BC5B7706FE}" type="datetimeFigureOut">
               <a:rPr lang="zh-CN" altLang="en-US" smtClean="0"/>
-              <a:t>2019/9/12</a:t>
             </a:fld>
             <a:endParaRPr lang="zh-CN" altLang="en-US"/>
           </a:p>
@@ -7288,18 +7184,12 @@
           <a:p>
             <a:fld id="{B3DF0D2C-A3AD-4632-B142-08AF0B55617B}" type="slidenum">
               <a:rPr lang="zh-CN" altLang="en-US" smtClean="0"/>
-              <a:t>‹#›</a:t>
             </a:fld>
             <a:endParaRPr lang="zh-CN" altLang="en-US"/>
           </a:p>
         </p:txBody>
       </p:sp>
     </p:spTree>
-    <p:extLst>
-      <p:ext uri="{BB962C8B-B14F-4D97-AF65-F5344CB8AC3E}">
-        <p14:creationId xmlns:p14="http://schemas.microsoft.com/office/powerpoint/2010/main" val="52675762"/>
-      </p:ext>
-    </p:extLst>
   </p:cSld>
   <p:clrMapOvr>
     <a:masterClrMapping/>
@@ -7392,6 +7282,7 @@
               <a:rPr lang="zh-CN" altLang="en-US" smtClean="0"/>
               <a:t>单击此处编辑母版文本样式</a:t>
             </a:r>
+            <a:endParaRPr lang="zh-CN" altLang="en-US" smtClean="0"/>
           </a:p>
           <a:p>
             <a:pPr lvl="1"/>
@@ -7399,6 +7290,7 @@
               <a:rPr lang="zh-CN" altLang="en-US" smtClean="0"/>
               <a:t>第二级</a:t>
             </a:r>
+            <a:endParaRPr lang="zh-CN" altLang="en-US" smtClean="0"/>
           </a:p>
           <a:p>
             <a:pPr lvl="2"/>
@@ -7406,6 +7298,7 @@
               <a:rPr lang="zh-CN" altLang="en-US" smtClean="0"/>
               <a:t>第三级</a:t>
             </a:r>
+            <a:endParaRPr lang="zh-CN" altLang="en-US" smtClean="0"/>
           </a:p>
           <a:p>
             <a:pPr lvl="3"/>
@@ -7413,6 +7306,7 @@
               <a:rPr lang="zh-CN" altLang="en-US" smtClean="0"/>
               <a:t>第四级</a:t>
             </a:r>
+            <a:endParaRPr lang="zh-CN" altLang="en-US" smtClean="0"/>
           </a:p>
           <a:p>
             <a:pPr lvl="4"/>
@@ -7459,7 +7353,6 @@
           <a:p>
             <a:fld id="{EC3EA87A-B9C1-4857-863B-94BC5B7706FE}" type="datetimeFigureOut">
               <a:rPr lang="zh-CN" altLang="en-US" smtClean="0"/>
-              <a:t>2019/9/12</a:t>
             </a:fld>
             <a:endParaRPr lang="zh-CN" altLang="en-US"/>
           </a:p>
@@ -7537,18 +7430,12 @@
           <a:p>
             <a:fld id="{B3DF0D2C-A3AD-4632-B142-08AF0B55617B}" type="slidenum">
               <a:rPr lang="zh-CN" altLang="en-US" smtClean="0"/>
-              <a:t>‹#›</a:t>
             </a:fld>
             <a:endParaRPr lang="zh-CN" altLang="en-US"/>
           </a:p>
         </p:txBody>
       </p:sp>
     </p:spTree>
-    <p:extLst>
-      <p:ext uri="{BB962C8B-B14F-4D97-AF65-F5344CB8AC3E}">
-        <p14:creationId xmlns:p14="http://schemas.microsoft.com/office/powerpoint/2010/main" val="682245448"/>
-      </p:ext>
-    </p:extLst>
   </p:cSld>
   <p:clrMap bg1="lt1" tx1="dk1" bg2="lt2" tx2="dk2" accent1="accent1" accent2="accent2" accent3="accent3" accent4="accent4" accent5="accent5" accent6="accent6" hlink="hlink" folHlink="folHlink"/>
   <p:sldLayoutIdLst>
@@ -7593,7 +7480,7 @@
         <a:spcBef>
           <a:spcPts val="1000"/>
         </a:spcBef>
-        <a:buFont typeface="Arial" panose="020B0604020202020204" pitchFamily="34" charset="0"/>
+        <a:buFont typeface="Arial" panose="02080604020202020204" pitchFamily="34" charset="0"/>
         <a:buChar char="•"/>
         <a:defRPr sz="2800" kern="1200">
           <a:solidFill>
@@ -7611,7 +7498,7 @@
         <a:spcBef>
           <a:spcPts val="500"/>
         </a:spcBef>
-        <a:buFont typeface="Arial" panose="020B0604020202020204" pitchFamily="34" charset="0"/>
+        <a:buFont typeface="Arial" panose="02080604020202020204" pitchFamily="34" charset="0"/>
         <a:buChar char="•"/>
         <a:defRPr sz="2400" kern="1200">
           <a:solidFill>
@@ -7629,7 +7516,7 @@
         <a:spcBef>
           <a:spcPts val="500"/>
         </a:spcBef>
-        <a:buFont typeface="Arial" panose="020B0604020202020204" pitchFamily="34" charset="0"/>
+        <a:buFont typeface="Arial" panose="02080604020202020204" pitchFamily="34" charset="0"/>
         <a:buChar char="•"/>
         <a:defRPr sz="2000" kern="1200">
           <a:solidFill>
@@ -7647,7 +7534,7 @@
         <a:spcBef>
           <a:spcPts val="500"/>
         </a:spcBef>
-        <a:buFont typeface="Arial" panose="020B0604020202020204" pitchFamily="34" charset="0"/>
+        <a:buFont typeface="Arial" panose="02080604020202020204" pitchFamily="34" charset="0"/>
         <a:buChar char="•"/>
         <a:defRPr sz="1800" kern="1200">
           <a:solidFill>
@@ -7665,7 +7552,7 @@
         <a:spcBef>
           <a:spcPts val="500"/>
         </a:spcBef>
-        <a:buFont typeface="Arial" panose="020B0604020202020204" pitchFamily="34" charset="0"/>
+        <a:buFont typeface="Arial" panose="02080604020202020204" pitchFamily="34" charset="0"/>
         <a:buChar char="•"/>
         <a:defRPr sz="1800" kern="1200">
           <a:solidFill>
@@ -7683,7 +7570,7 @@
         <a:spcBef>
           <a:spcPts val="500"/>
         </a:spcBef>
-        <a:buFont typeface="Arial" panose="020B0604020202020204" pitchFamily="34" charset="0"/>
+        <a:buFont typeface="Arial" panose="02080604020202020204" pitchFamily="34" charset="0"/>
         <a:buChar char="•"/>
         <a:defRPr sz="1800" kern="1200">
           <a:solidFill>
@@ -7701,7 +7588,7 @@
         <a:spcBef>
           <a:spcPts val="500"/>
         </a:spcBef>
-        <a:buFont typeface="Arial" panose="020B0604020202020204" pitchFamily="34" charset="0"/>
+        <a:buFont typeface="Arial" panose="02080604020202020204" pitchFamily="34" charset="0"/>
         <a:buChar char="•"/>
         <a:defRPr sz="1800" kern="1200">
           <a:solidFill>
@@ -7719,7 +7606,7 @@
         <a:spcBef>
           <a:spcPts val="500"/>
         </a:spcBef>
-        <a:buFont typeface="Arial" panose="020B0604020202020204" pitchFamily="34" charset="0"/>
+        <a:buFont typeface="Arial" panose="02080604020202020204" pitchFamily="34" charset="0"/>
         <a:buChar char="•"/>
         <a:defRPr sz="1800" kern="1200">
           <a:solidFill>
@@ -7737,7 +7624,7 @@
         <a:spcBef>
           <a:spcPts val="500"/>
         </a:spcBef>
-        <a:buFont typeface="Arial" panose="020B0604020202020204" pitchFamily="34" charset="0"/>
+        <a:buFont typeface="Arial" panose="02080604020202020204" pitchFamily="34" charset="0"/>
         <a:buChar char="•"/>
         <a:defRPr sz="1800" kern="1200">
           <a:solidFill>
@@ -7867,25 +7754,6 @@
       </p:grpSpPr>
       <p:sp>
         <p:nvSpPr>
-          <p:cNvPr id="2" name="标题 1"/>
-          <p:cNvSpPr>
-            <a:spLocks noGrp="1"/>
-          </p:cNvSpPr>
-          <p:nvPr>
-            <p:ph type="title"/>
-          </p:nvPr>
-        </p:nvSpPr>
-        <p:spPr/>
-        <p:txBody>
-          <a:bodyPr/>
-          <a:lstStyle/>
-          <a:p>
-            <a:endParaRPr lang="zh-CN" altLang="en-US"/>
-          </a:p>
-        </p:txBody>
-      </p:sp>
-      <p:sp>
-        <p:nvSpPr>
           <p:cNvPr id="3" name="副标题 2"/>
           <p:cNvSpPr>
             <a:spLocks noGrp="1"/>
@@ -7907,21 +7775,15 @@
         <p:nvGraphicFramePr>
           <p:cNvPr id="4" name="图示 3"/>
           <p:cNvGraphicFramePr/>
-          <p:nvPr>
-            <p:extLst>
-              <p:ext uri="{D42A27DB-BD31-4B8C-83A1-F6EECF244321}">
-                <p14:modId xmlns:p14="http://schemas.microsoft.com/office/powerpoint/2010/main" val="4256103357"/>
-              </p:ext>
-            </p:extLst>
-          </p:nvPr>
+          <p:nvPr/>
         </p:nvGraphicFramePr>
         <p:xfrm>
-          <a:off x="2031999" y="719666"/>
+          <a:off x="1767204" y="720301"/>
           <a:ext cx="9077961" cy="5418667"/>
         </p:xfrm>
         <a:graphic>
           <a:graphicData uri="http://schemas.openxmlformats.org/drawingml/2006/diagram">
-            <dgm:relIds xmlns:dgm="http://schemas.openxmlformats.org/drawingml/2006/diagram" xmlns:r="http://schemas.openxmlformats.org/officeDocument/2006/relationships" r:dm="rId2" r:lo="rId3" r:qs="rId4" r:cs="rId5"/>
+            <dgm:relIds xmlns:dgm="http://schemas.openxmlformats.org/drawingml/2006/diagram" xmlns:r="http://schemas.openxmlformats.org/officeDocument/2006/relationships" r:dm="rId1" r:lo="rId2" r:qs="rId3" r:cs="rId4"/>
           </a:graphicData>
         </a:graphic>
       </p:graphicFrame>
@@ -7962,11 +7824,6 @@
         </p:txBody>
       </p:sp>
     </p:spTree>
-    <p:extLst>
-      <p:ext uri="{BB962C8B-B14F-4D97-AF65-F5344CB8AC3E}">
-        <p14:creationId xmlns:p14="http://schemas.microsoft.com/office/powerpoint/2010/main" val="1937007392"/>
-      </p:ext>
-    </p:extLst>
   </p:cSld>
   <p:clrMapOvr>
     <a:masterClrMapping/>
@@ -8079,10 +7936,6 @@
               <a:rPr lang="en-US" altLang="zh-CN" sz="2000" dirty="0" smtClean="0"/>
               <a:t>BUG fix</a:t>
             </a:r>
-            <a:r>
-              <a:rPr lang="en-US" altLang="zh-CN" sz="2400" dirty="0" smtClean="0"/>
-              <a:t/>
-            </a:r>
             <a:br>
               <a:rPr lang="en-US" altLang="zh-CN" sz="2400" dirty="0" smtClean="0"/>
             </a:br>
@@ -8110,10 +7963,6 @@
               <a:rPr lang="en-US" altLang="zh-CN" sz="2000" dirty="0" smtClean="0"/>
               <a:t>BUG fix</a:t>
             </a:r>
-            <a:r>
-              <a:rPr lang="en-US" altLang="zh-CN" sz="2400" dirty="0" smtClean="0"/>
-              <a:t/>
-            </a:r>
             <a:br>
               <a:rPr lang="en-US" altLang="zh-CN" sz="2400" dirty="0" smtClean="0"/>
             </a:br>
@@ -8122,11 +7971,6 @@
         </p:txBody>
       </p:sp>
     </p:spTree>
-    <p:extLst>
-      <p:ext uri="{BB962C8B-B14F-4D97-AF65-F5344CB8AC3E}">
-        <p14:creationId xmlns:p14="http://schemas.microsoft.com/office/powerpoint/2010/main" val="1812513640"/>
-      </p:ext>
-    </p:extLst>
   </p:cSld>
   <p:clrMapOvr>
     <a:masterClrMapping/>
@@ -8186,6 +8030,7 @@
               <a:rPr lang="zh-CN" altLang="en-US" sz="3600" b="0" dirty="0"/>
               <a:t>计划</a:t>
             </a:r>
+            <a:endParaRPr lang="zh-CN" altLang="en-US" sz="3600" b="0" dirty="0"/>
           </a:p>
         </p:txBody>
       </p:sp>
@@ -8222,10 +8067,6 @@
               <a:rPr lang="zh-CN" altLang="en-US" sz="2400" dirty="0" smtClean="0"/>
               <a:t>开发</a:t>
             </a:r>
-            <a:r>
-              <a:rPr lang="en-US" altLang="zh-CN" sz="2400" dirty="0" smtClean="0"/>
-              <a:t/>
-            </a:r>
             <a:br>
               <a:rPr lang="en-US" altLang="zh-CN" sz="2400" dirty="0" smtClean="0"/>
             </a:br>
@@ -8234,11 +8075,6 @@
         </p:txBody>
       </p:sp>
     </p:spTree>
-    <p:extLst>
-      <p:ext uri="{BB962C8B-B14F-4D97-AF65-F5344CB8AC3E}">
-        <p14:creationId xmlns:p14="http://schemas.microsoft.com/office/powerpoint/2010/main" val="2416423145"/>
-      </p:ext>
-    </p:extLst>
   </p:cSld>
   <p:clrMapOvr>
     <a:masterClrMapping/>
@@ -8297,7 +8133,7 @@
     </a:clrScheme>
     <a:fontScheme name="Office">
       <a:majorFont>
-        <a:latin typeface="Calibri Light" panose="020F0302020204030204"/>
+        <a:latin typeface="Calibri Light"/>
         <a:ea typeface=""/>
         <a:cs typeface=""/>
         <a:font script="Jpan" typeface="ＭＳ Ｐゴシック"/>
@@ -8332,7 +8168,7 @@
         <a:font script="Geor" typeface="Sylfaen"/>
       </a:majorFont>
       <a:minorFont>
-        <a:latin typeface="Calibri" panose="020F0502020204030204"/>
+        <a:latin typeface="Calibri"/>
         <a:ea typeface=""/>
         <a:cs typeface=""/>
         <a:font script="Jpan" typeface="ＭＳ Ｐゴシック"/>
@@ -8505,11 +8341,9 @@
       </a:bgFillStyleLst>
     </a:fmtScheme>
   </a:themeElements>
-  <a:objectDefaults/>
-  <a:extraClrSchemeLst/>
   <a:extLst>
     <a:ext uri="{05A4C25C-085E-4340-85A3-A5531E510DB2}">
-      <thm15:themeFamily xmlns:thm15="http://schemas.microsoft.com/office/thememl/2012/main" xmlns="" name="Office Theme" id="{62F939B6-93AF-4DB8-9C6B-D6C7DFDC589F}" vid="{4A3C46E8-61CC-4603-A589-7422A47A8E4A}"/>
+      <thm15:themeFamily xmlns:thm15="http://schemas.microsoft.com/office/thememl/2012/main" name="Office Theme" id="{62F939B6-93AF-4DB8-9C6B-D6C7DFDC589F}" vid="{4A3C46E8-61CC-4603-A589-7422A47A8E4A}"/>
     </a:ext>
   </a:extLst>
 </a:theme>
